--- a/4 ⚙️ Solution/35 💬 Chats/💬 Chats/.📎 Assets/💬 .pptx
+++ b/4 ⚙️ Solution/35 💬 Chats/💬 Chats/.📎 Assets/💬 .pptx
@@ -5,42 +5,41 @@
     <p:sldMasterId id="2147483648" r:id="rId1"/>
   </p:sldMasterIdLst>
   <p:notesMasterIdLst>
-    <p:notesMasterId r:id="rId8"/>
+    <p:notesMasterId r:id="rId7"/>
   </p:notesMasterIdLst>
   <p:handoutMasterIdLst>
-    <p:handoutMasterId r:id="rId9"/>
+    <p:handoutMasterId r:id="rId8"/>
   </p:handoutMasterIdLst>
   <p:sldIdLst>
     <p:sldId id="1825" r:id="rId2"/>
     <p:sldId id="1696" r:id="rId3"/>
     <p:sldId id="1826" r:id="rId4"/>
     <p:sldId id="1714" r:id="rId5"/>
-    <p:sldId id="1721" r:id="rId6"/>
-    <p:sldId id="1712" r:id="rId7"/>
+    <p:sldId id="1712" r:id="rId6"/>
   </p:sldIdLst>
   <p:sldSz cx="12192000" cy="6858000"/>
   <p:notesSz cx="6858000" cy="9144000"/>
   <p:embeddedFontLst>
     <p:embeddedFont>
       <p:font typeface="Amazon Ember" panose="020B0603020204020204" pitchFamily="34" charset="0"/>
-      <p:regular r:id="rId10"/>
-      <p:bold r:id="rId11"/>
-      <p:italic r:id="rId12"/>
-      <p:boldItalic r:id="rId13"/>
+      <p:regular r:id="rId9"/>
+      <p:bold r:id="rId10"/>
+      <p:italic r:id="rId11"/>
+      <p:boldItalic r:id="rId12"/>
     </p:embeddedFont>
     <p:embeddedFont>
       <p:font typeface="Amazon Ember Display" panose="020F0603020204020204" pitchFamily="34" charset="0"/>
-      <p:regular r:id="rId14"/>
-      <p:bold r:id="rId15"/>
-      <p:italic r:id="rId16"/>
-      <p:boldItalic r:id="rId17"/>
+      <p:regular r:id="rId13"/>
+      <p:bold r:id="rId14"/>
+      <p:italic r:id="rId15"/>
+      <p:boldItalic r:id="rId16"/>
     </p:embeddedFont>
     <p:embeddedFont>
       <p:font typeface="Segoe UI" panose="020B0502040204020203" pitchFamily="34" charset="0"/>
-      <p:regular r:id="rId18"/>
-      <p:bold r:id="rId19"/>
-      <p:italic r:id="rId20"/>
-      <p:boldItalic r:id="rId21"/>
+      <p:regular r:id="rId17"/>
+      <p:bold r:id="rId18"/>
+      <p:italic r:id="rId19"/>
+      <p:boldItalic r:id="rId20"/>
     </p:embeddedFont>
   </p:embeddedFontLst>
   <p:defaultTextStyle>
@@ -147,7 +146,6 @@
             <p14:sldId id="1696"/>
             <p14:sldId id="1826"/>
             <p14:sldId id="1714"/>
-            <p14:sldId id="1721"/>
             <p14:sldId id="1712"/>
           </p14:sldIdLst>
         </p14:section>
@@ -721,7 +719,7 @@
           <a:p>
             <a:fld id="{542F96DF-134D-4F6A-BFA6-E032E504EEEB}" type="datetime8">
               <a:rPr lang="en-US" smtClean="0"/>
-              <a:t>9/12/25 10:05 AM</a:t>
+              <a:t>10/17/25 11:04 AM</a:t>
             </a:fld>
             <a:endParaRPr lang="en-US" dirty="0"/>
           </a:p>
@@ -928,7 +926,7 @@
           <a:p>
             <a:fld id="{542F96DF-134D-4F6A-BFA6-E032E504EEEB}" type="datetime8">
               <a:rPr lang="en-US" smtClean="0"/>
-              <a:t>9/12/25 10:08 AM</a:t>
+              <a:t>10/17/25 11:04 AM</a:t>
             </a:fld>
             <a:endParaRPr lang="en-US" dirty="0"/>
           </a:p>
@@ -1135,7 +1133,7 @@
           <a:p>
             <a:fld id="{542F96DF-134D-4F6A-BFA6-E032E504EEEB}" type="datetime8">
               <a:rPr lang="en-US" smtClean="0"/>
-              <a:t>9/12/25 10:05 AM</a:t>
+              <a:t>10/17/25 11:04 AM</a:t>
             </a:fld>
             <a:endParaRPr lang="en-US" dirty="0"/>
           </a:p>
@@ -1185,213 +1183,6 @@
 </file>
 
 <file path=ppt/notesSlides/notesSlide4.xml><?xml version="1.0" encoding="utf-8"?>
-<p:notes xmlns:a="http://schemas.openxmlformats.org/drawingml/2006/main" xmlns:r="http://schemas.openxmlformats.org/officeDocument/2006/relationships" xmlns:p="http://schemas.openxmlformats.org/presentationml/2006/main">
-  <p:cSld>
-    <p:spTree>
-      <p:nvGrpSpPr>
-        <p:cNvPr id="1" name="">
-          <a:extLst>
-            <a:ext uri="{FF2B5EF4-FFF2-40B4-BE49-F238E27FC236}">
-              <a16:creationId xmlns:a16="http://schemas.microsoft.com/office/drawing/2014/main" id="{65E057E3-6140-CC42-23EC-2D216EAD8D93}"/>
-            </a:ext>
-          </a:extLst>
-        </p:cNvPr>
-        <p:cNvGrpSpPr/>
-        <p:nvPr/>
-      </p:nvGrpSpPr>
-      <p:grpSpPr>
-        <a:xfrm>
-          <a:off x="0" y="0"/>
-          <a:ext cx="0" cy="0"/>
-          <a:chOff x="0" y="0"/>
-          <a:chExt cx="0" cy="0"/>
-        </a:xfrm>
-      </p:grpSpPr>
-      <p:sp>
-        <p:nvSpPr>
-          <p:cNvPr id="2" name="Slide Image Placeholder 1">
-            <a:extLst>
-              <a:ext uri="{FF2B5EF4-FFF2-40B4-BE49-F238E27FC236}">
-                <a16:creationId xmlns:a16="http://schemas.microsoft.com/office/drawing/2014/main" id="{A3E8E219-2688-6DFD-6E32-C6155B205EC6}"/>
-              </a:ext>
-            </a:extLst>
-          </p:cNvPr>
-          <p:cNvSpPr>
-            <a:spLocks noGrp="1" noRot="1" noChangeAspect="1"/>
-          </p:cNvSpPr>
-          <p:nvPr>
-            <p:ph type="sldImg"/>
-          </p:nvPr>
-        </p:nvSpPr>
-        <p:spPr>
-          <a:xfrm>
-            <a:off x="438150" y="457200"/>
-            <a:ext cx="5981700" cy="3363913"/>
-          </a:xfrm>
-        </p:spPr>
-      </p:sp>
-      <p:sp>
-        <p:nvSpPr>
-          <p:cNvPr id="3" name="Notes Placeholder 2">
-            <a:extLst>
-              <a:ext uri="{FF2B5EF4-FFF2-40B4-BE49-F238E27FC236}">
-                <a16:creationId xmlns:a16="http://schemas.microsoft.com/office/drawing/2014/main" id="{71D956E1-47E6-F09F-0840-9A5B37433C0D}"/>
-              </a:ext>
-            </a:extLst>
-          </p:cNvPr>
-          <p:cNvSpPr>
-            <a:spLocks noGrp="1"/>
-          </p:cNvSpPr>
-          <p:nvPr>
-            <p:ph type="body" idx="1"/>
-          </p:nvPr>
-        </p:nvSpPr>
-        <p:spPr/>
-        <p:txBody>
-          <a:bodyPr/>
-          <a:lstStyle/>
-          <a:p>
-            <a:endParaRPr lang="en-US" dirty="0"/>
-          </a:p>
-        </p:txBody>
-      </p:sp>
-      <p:sp>
-        <p:nvSpPr>
-          <p:cNvPr id="4" name="Header Placeholder 3">
-            <a:extLst>
-              <a:ext uri="{FF2B5EF4-FFF2-40B4-BE49-F238E27FC236}">
-                <a16:creationId xmlns:a16="http://schemas.microsoft.com/office/drawing/2014/main" id="{57FC4EDC-D44E-AD6F-D84D-049E507B8A33}"/>
-              </a:ext>
-            </a:extLst>
-          </p:cNvPr>
-          <p:cNvSpPr>
-            <a:spLocks noGrp="1"/>
-          </p:cNvSpPr>
-          <p:nvPr>
-            <p:ph type="hdr" sz="quarter" idx="10"/>
-          </p:nvPr>
-        </p:nvSpPr>
-        <p:spPr/>
-        <p:txBody>
-          <a:bodyPr/>
-          <a:lstStyle/>
-          <a:p>
-            <a:endParaRPr lang="en-US" dirty="0"/>
-          </a:p>
-        </p:txBody>
-      </p:sp>
-      <p:sp>
-        <p:nvSpPr>
-          <p:cNvPr id="5" name="Footer Placeholder 4">
-            <a:extLst>
-              <a:ext uri="{FF2B5EF4-FFF2-40B4-BE49-F238E27FC236}">
-                <a16:creationId xmlns:a16="http://schemas.microsoft.com/office/drawing/2014/main" id="{C5F556FE-8696-6586-BFBC-D06E6B47E53D}"/>
-              </a:ext>
-            </a:extLst>
-          </p:cNvPr>
-          <p:cNvSpPr>
-            <a:spLocks noGrp="1"/>
-          </p:cNvSpPr>
-          <p:nvPr>
-            <p:ph type="ftr" sz="quarter" idx="11"/>
-          </p:nvPr>
-        </p:nvSpPr>
-        <p:spPr/>
-        <p:txBody>
-          <a:bodyPr/>
-          <a:lstStyle/>
-          <a:p>
-            <a:pPr defTabSz="914099" eaLnBrk="0" hangingPunct="0"/>
-            <a:endParaRPr lang="en-US" sz="400" dirty="0">
-              <a:gradFill>
-                <a:gsLst>
-                  <a:gs pos="0">
-                    <a:prstClr val="black"/>
-                  </a:gs>
-                  <a:gs pos="100000">
-                    <a:prstClr val="black"/>
-                  </a:gs>
-                </a:gsLst>
-                <a:lin ang="5400000" scaled="0"/>
-              </a:gradFill>
-              <a:ea typeface="Segoe UI" pitchFamily="34" charset="0"/>
-            </a:endParaRPr>
-          </a:p>
-        </p:txBody>
-      </p:sp>
-      <p:sp>
-        <p:nvSpPr>
-          <p:cNvPr id="6" name="Date Placeholder 5">
-            <a:extLst>
-              <a:ext uri="{FF2B5EF4-FFF2-40B4-BE49-F238E27FC236}">
-                <a16:creationId xmlns:a16="http://schemas.microsoft.com/office/drawing/2014/main" id="{67EDBFAE-36E8-2C92-9968-5C5B14A125A6}"/>
-              </a:ext>
-            </a:extLst>
-          </p:cNvPr>
-          <p:cNvSpPr>
-            <a:spLocks noGrp="1"/>
-          </p:cNvSpPr>
-          <p:nvPr>
-            <p:ph type="dt" idx="12"/>
-          </p:nvPr>
-        </p:nvSpPr>
-        <p:spPr/>
-        <p:txBody>
-          <a:bodyPr/>
-          <a:lstStyle/>
-          <a:p>
-            <a:fld id="{542F96DF-134D-4F6A-BFA6-E032E504EEEB}" type="datetime8">
-              <a:rPr lang="en-US" smtClean="0"/>
-              <a:t>9/12/25 10:05 AM</a:t>
-            </a:fld>
-            <a:endParaRPr lang="en-US" dirty="0"/>
-          </a:p>
-        </p:txBody>
-      </p:sp>
-      <p:sp>
-        <p:nvSpPr>
-          <p:cNvPr id="7" name="Slide Number Placeholder 6">
-            <a:extLst>
-              <a:ext uri="{FF2B5EF4-FFF2-40B4-BE49-F238E27FC236}">
-                <a16:creationId xmlns:a16="http://schemas.microsoft.com/office/drawing/2014/main" id="{F4D72EBE-B8AA-7EE8-EE57-AB796A9741E0}"/>
-              </a:ext>
-            </a:extLst>
-          </p:cNvPr>
-          <p:cNvSpPr>
-            <a:spLocks noGrp="1"/>
-          </p:cNvSpPr>
-          <p:nvPr>
-            <p:ph type="sldNum" sz="quarter" idx="13"/>
-          </p:nvPr>
-        </p:nvSpPr>
-        <p:spPr/>
-        <p:txBody>
-          <a:bodyPr/>
-          <a:lstStyle/>
-          <a:p>
-            <a:fld id="{B4008EB6-D09E-4580-8CD6-DDB14511944F}" type="slidenum">
-              <a:rPr lang="en-US" smtClean="0"/>
-              <a:pPr/>
-              <a:t>5</a:t>
-            </a:fld>
-            <a:endParaRPr lang="en-US" dirty="0"/>
-          </a:p>
-        </p:txBody>
-      </p:sp>
-    </p:spTree>
-    <p:extLst>
-      <p:ext uri="{BB962C8B-B14F-4D97-AF65-F5344CB8AC3E}">
-        <p14:creationId xmlns:p14="http://schemas.microsoft.com/office/powerpoint/2010/main" val="2567967442"/>
-      </p:ext>
-    </p:extLst>
-  </p:cSld>
-  <p:clrMapOvr>
-    <a:masterClrMapping/>
-  </p:clrMapOvr>
-</p:notes>
-</file>
-
-<file path=ppt/notesSlides/notesSlide5.xml><?xml version="1.0" encoding="utf-8"?>
 <p:notes xmlns:a="http://schemas.openxmlformats.org/drawingml/2006/main" xmlns:r="http://schemas.openxmlformats.org/officeDocument/2006/relationships" xmlns:p="http://schemas.openxmlformats.org/presentationml/2006/main">
   <p:cSld>
     <p:spTree>
@@ -1549,7 +1340,7 @@
           <a:p>
             <a:fld id="{542F96DF-134D-4F6A-BFA6-E032E504EEEB}" type="datetime8">
               <a:rPr lang="en-US" smtClean="0"/>
-              <a:t>9/12/25 10:05 AM</a:t>
+              <a:t>10/17/25 11:04 AM</a:t>
             </a:fld>
             <a:endParaRPr lang="en-US" dirty="0"/>
           </a:p>
@@ -1579,7 +1370,7 @@
             <a:fld id="{B4008EB6-D09E-4580-8CD6-DDB14511944F}" type="slidenum">
               <a:rPr lang="en-US" smtClean="0"/>
               <a:pPr/>
-              <a:t>6</a:t>
+              <a:t>5</a:t>
             </a:fld>
             <a:endParaRPr lang="en-US" dirty="0"/>
           </a:p>
@@ -9393,2356 +9184,6 @@
 </file>
 
 <file path=ppt/slides/slide5.xml><?xml version="1.0" encoding="utf-8"?>
-<p:sld xmlns:a="http://schemas.openxmlformats.org/drawingml/2006/main" xmlns:r="http://schemas.openxmlformats.org/officeDocument/2006/relationships" xmlns:p="http://schemas.openxmlformats.org/presentationml/2006/main">
-  <p:cSld>
-    <p:spTree>
-      <p:nvGrpSpPr>
-        <p:cNvPr id="1" name="">
-          <a:extLst>
-            <a:ext uri="{FF2B5EF4-FFF2-40B4-BE49-F238E27FC236}">
-              <a16:creationId xmlns:a16="http://schemas.microsoft.com/office/drawing/2014/main" id="{CB532944-0B93-F597-20E0-8EF8DB1F7A4A}"/>
-            </a:ext>
-          </a:extLst>
-        </p:cNvPr>
-        <p:cNvGrpSpPr/>
-        <p:nvPr/>
-      </p:nvGrpSpPr>
-      <p:grpSpPr>
-        <a:xfrm>
-          <a:off x="0" y="0"/>
-          <a:ext cx="0" cy="0"/>
-          <a:chOff x="0" y="0"/>
-          <a:chExt cx="0" cy="0"/>
-        </a:xfrm>
-      </p:grpSpPr>
-      <p:grpSp>
-        <p:nvGrpSpPr>
-          <p:cNvPr id="4" name="Group 3">
-            <a:extLst>
-              <a:ext uri="{FF2B5EF4-FFF2-40B4-BE49-F238E27FC236}">
-                <a16:creationId xmlns:a16="http://schemas.microsoft.com/office/drawing/2014/main" id="{2A0584BB-18F8-00A7-7FD7-BB4D22AFAD06}"/>
-              </a:ext>
-            </a:extLst>
-          </p:cNvPr>
-          <p:cNvGrpSpPr/>
-          <p:nvPr/>
-        </p:nvGrpSpPr>
-        <p:grpSpPr>
-          <a:xfrm>
-            <a:off x="1357942" y="2034784"/>
-            <a:ext cx="1601270" cy="1038741"/>
-            <a:chOff x="7507403" y="1006813"/>
-            <a:chExt cx="691415" cy="1038741"/>
-          </a:xfrm>
-        </p:grpSpPr>
-        <p:sp>
-          <p:nvSpPr>
-            <p:cNvPr id="5" name="Rectangle 4">
-              <a:extLst>
-                <a:ext uri="{FF2B5EF4-FFF2-40B4-BE49-F238E27FC236}">
-                  <a16:creationId xmlns:a16="http://schemas.microsoft.com/office/drawing/2014/main" id="{5DBE8CC1-E46C-0827-FEFD-E24E7E6EC709}"/>
-                </a:ext>
-              </a:extLst>
-            </p:cNvPr>
-            <p:cNvSpPr/>
-            <p:nvPr/>
-          </p:nvSpPr>
-          <p:spPr>
-            <a:xfrm>
-              <a:off x="7538137" y="1386857"/>
-              <a:ext cx="628958" cy="562183"/>
-            </a:xfrm>
-            <a:prstGeom prst="rect">
-              <a:avLst/>
-            </a:prstGeom>
-            <a:solidFill>
-              <a:schemeClr val="tx1">
-                <a:lumMod val="95000"/>
-              </a:schemeClr>
-            </a:solidFill>
-            <a:ln w="28575">
-              <a:solidFill>
-                <a:schemeClr val="tx1">
-                  <a:lumMod val="50000"/>
-                </a:schemeClr>
-              </a:solidFill>
-              <a:prstDash val="solid"/>
-            </a:ln>
-          </p:spPr>
-          <p:style>
-            <a:lnRef idx="2">
-              <a:schemeClr val="accent1">
-                <a:shade val="50000"/>
-              </a:schemeClr>
-            </a:lnRef>
-            <a:fillRef idx="1">
-              <a:schemeClr val="accent1"/>
-            </a:fillRef>
-            <a:effectRef idx="0">
-              <a:schemeClr val="accent1"/>
-            </a:effectRef>
-            <a:fontRef idx="minor">
-              <a:schemeClr val="lt1"/>
-            </a:fontRef>
-          </p:style>
-          <p:txBody>
-            <a:bodyPr lIns="144000" tIns="144000" rIns="144000" bIns="144000" anchor="ctr"/>
-            <a:lstStyle/>
-            <a:p>
-              <a:r>
-                <a:rPr lang="en-GB" sz="3200" baseline="-9000" dirty="0">
-                  <a:solidFill>
-                    <a:schemeClr val="bg2">
-                      <a:lumMod val="40000"/>
-                      <a:lumOff val="60000"/>
-                    </a:schemeClr>
-                  </a:solidFill>
-                  <a:effectLst>
-                    <a:glow>
-                      <a:schemeClr val="bg1"/>
-                    </a:glow>
-                  </a:effectLst>
-                </a:rPr>
-                <a:t>🤗</a:t>
-              </a:r>
-              <a:r>
-                <a:rPr lang="en-GB" sz="2400" dirty="0">
-                  <a:solidFill>
-                    <a:sysClr val="windowText" lastClr="000000"/>
-                  </a:solidFill>
-                  <a:latin typeface="+mj-lt"/>
-                  <a:cs typeface="Arial" panose="020B0604020202020204" pitchFamily="34" charset="0"/>
-                </a:rPr>
-                <a:t> Host</a:t>
-              </a:r>
-            </a:p>
-          </p:txBody>
-        </p:sp>
-        <p:sp>
-          <p:nvSpPr>
-            <p:cNvPr id="6" name="Rectangle 5">
-              <a:extLst>
-                <a:ext uri="{FF2B5EF4-FFF2-40B4-BE49-F238E27FC236}">
-                  <a16:creationId xmlns:a16="http://schemas.microsoft.com/office/drawing/2014/main" id="{563B5B77-ACA4-122E-107D-AB36B9B7EFF3}"/>
-                </a:ext>
-              </a:extLst>
-            </p:cNvPr>
-            <p:cNvSpPr/>
-            <p:nvPr/>
-          </p:nvSpPr>
-          <p:spPr>
-            <a:xfrm>
-              <a:off x="7507403" y="1006813"/>
-              <a:ext cx="691415" cy="1038741"/>
-            </a:xfrm>
-            <a:prstGeom prst="rect">
-              <a:avLst/>
-            </a:prstGeom>
-            <a:noFill/>
-            <a:ln w="12700">
-              <a:solidFill>
-                <a:srgbClr val="5A6B86"/>
-              </a:solidFill>
-              <a:prstDash val="dash"/>
-            </a:ln>
-          </p:spPr>
-          <p:style>
-            <a:lnRef idx="2">
-              <a:schemeClr val="accent1">
-                <a:shade val="50000"/>
-              </a:schemeClr>
-            </a:lnRef>
-            <a:fillRef idx="1">
-              <a:schemeClr val="accent1"/>
-            </a:fillRef>
-            <a:effectRef idx="0">
-              <a:schemeClr val="accent1"/>
-            </a:effectRef>
-            <a:fontRef idx="minor">
-              <a:schemeClr val="lt1"/>
-            </a:fontRef>
-          </p:style>
-          <p:txBody>
-            <a:bodyPr tIns="36000"/>
-            <a:lstStyle/>
-            <a:p>
-              <a:pPr eaLnBrk="1" fontAlgn="auto" hangingPunct="1">
-                <a:spcBef>
-                  <a:spcPts val="0"/>
-                </a:spcBef>
-                <a:spcAft>
-                  <a:spcPts val="0"/>
-                </a:spcAft>
-                <a:defRPr/>
-              </a:pPr>
-              <a:r>
-                <a:rPr lang="en-GB" sz="2000" dirty="0">
-                  <a:solidFill>
-                    <a:schemeClr val="bg2">
-                      <a:lumMod val="40000"/>
-                      <a:lumOff val="60000"/>
-                    </a:schemeClr>
-                  </a:solidFill>
-                  <a:effectLst>
-                    <a:glow>
-                      <a:schemeClr val="bg1"/>
-                    </a:glow>
-                  </a:effectLst>
-                </a:rPr>
-                <a:t>👥</a:t>
-              </a:r>
-              <a:r>
-                <a:rPr lang="en-GB" sz="2000" i="1" dirty="0">
-                  <a:solidFill>
-                    <a:schemeClr val="bg2">
-                      <a:lumMod val="40000"/>
-                      <a:lumOff val="60000"/>
-                    </a:schemeClr>
-                  </a:solidFill>
-                  <a:effectLst>
-                    <a:glow>
-                      <a:schemeClr val="bg1"/>
-                    </a:glow>
-                  </a:effectLst>
-                </a:rPr>
-                <a:t> </a:t>
-              </a:r>
-              <a:r>
-                <a:rPr lang="en-US" sz="2000" i="1" dirty="0">
-                  <a:solidFill>
-                    <a:schemeClr val="bg2">
-                      <a:lumMod val="40000"/>
-                      <a:lumOff val="60000"/>
-                    </a:schemeClr>
-                  </a:solidFill>
-                  <a:effectLst>
-                    <a:glow>
-                      <a:schemeClr val="bg1"/>
-                    </a:glow>
-                  </a:effectLst>
-                </a:rPr>
-                <a:t>domain</a:t>
-              </a:r>
-            </a:p>
-          </p:txBody>
-        </p:sp>
-      </p:grpSp>
-      <p:grpSp>
-        <p:nvGrpSpPr>
-          <p:cNvPr id="7" name="Group 6">
-            <a:extLst>
-              <a:ext uri="{FF2B5EF4-FFF2-40B4-BE49-F238E27FC236}">
-                <a16:creationId xmlns:a16="http://schemas.microsoft.com/office/drawing/2014/main" id="{2BC53678-2916-996C-92F3-B8713AC3EB7B}"/>
-              </a:ext>
-            </a:extLst>
-          </p:cNvPr>
-          <p:cNvGrpSpPr/>
-          <p:nvPr/>
-        </p:nvGrpSpPr>
-        <p:grpSpPr>
-          <a:xfrm>
-            <a:off x="8852496" y="2046909"/>
-            <a:ext cx="2221184" cy="1014729"/>
-            <a:chOff x="7507403" y="1006813"/>
-            <a:chExt cx="959089" cy="1014729"/>
-          </a:xfrm>
-        </p:grpSpPr>
-        <p:sp>
-          <p:nvSpPr>
-            <p:cNvPr id="8" name="Rectangle 7">
-              <a:extLst>
-                <a:ext uri="{FF2B5EF4-FFF2-40B4-BE49-F238E27FC236}">
-                  <a16:creationId xmlns:a16="http://schemas.microsoft.com/office/drawing/2014/main" id="{F9639445-BD87-9FEA-B1DB-D130D4BD44CB}"/>
-                </a:ext>
-              </a:extLst>
-            </p:cNvPr>
-            <p:cNvSpPr/>
-            <p:nvPr/>
-          </p:nvSpPr>
-          <p:spPr>
-            <a:xfrm>
-              <a:off x="7553548" y="1378148"/>
-              <a:ext cx="866799" cy="562183"/>
-            </a:xfrm>
-            <a:prstGeom prst="rect">
-              <a:avLst/>
-            </a:prstGeom>
-            <a:solidFill>
-              <a:schemeClr val="tx1">
-                <a:lumMod val="95000"/>
-              </a:schemeClr>
-            </a:solidFill>
-            <a:ln w="28575">
-              <a:solidFill>
-                <a:schemeClr val="tx1">
-                  <a:lumMod val="50000"/>
-                </a:schemeClr>
-              </a:solidFill>
-              <a:prstDash val="solid"/>
-            </a:ln>
-          </p:spPr>
-          <p:style>
-            <a:lnRef idx="2">
-              <a:schemeClr val="accent1">
-                <a:shade val="50000"/>
-              </a:schemeClr>
-            </a:lnRef>
-            <a:fillRef idx="1">
-              <a:schemeClr val="accent1"/>
-            </a:fillRef>
-            <a:effectRef idx="0">
-              <a:schemeClr val="accent1"/>
-            </a:effectRef>
-            <a:fontRef idx="minor">
-              <a:schemeClr val="lt1"/>
-            </a:fontRef>
-          </p:style>
-          <p:txBody>
-            <a:bodyPr lIns="144000" tIns="144000" rIns="144000" bIns="144000" anchor="ctr"/>
-            <a:lstStyle/>
-            <a:p>
-              <a:r>
-                <a:rPr lang="en-GB" sz="3200" baseline="-9000" dirty="0">
-                  <a:solidFill>
-                    <a:schemeClr val="bg2">
-                      <a:lumMod val="40000"/>
-                      <a:lumOff val="60000"/>
-                    </a:schemeClr>
-                  </a:solidFill>
-                  <a:effectLst>
-                    <a:glow>
-                      <a:schemeClr val="bg1"/>
-                    </a:glow>
-                  </a:effectLst>
-                </a:rPr>
-                <a:t>🪣 </a:t>
-              </a:r>
-              <a:r>
-                <a:rPr lang="en-GB" sz="2400" dirty="0">
-                  <a:solidFill>
-                    <a:sysClr val="windowText" lastClr="000000"/>
-                  </a:solidFill>
-                  <a:latin typeface="+mj-lt"/>
-                  <a:cs typeface="Arial" panose="020B0604020202020204" pitchFamily="34" charset="0"/>
-                </a:rPr>
-                <a:t>Dataset</a:t>
-              </a:r>
-            </a:p>
-          </p:txBody>
-        </p:sp>
-        <p:sp>
-          <p:nvSpPr>
-            <p:cNvPr id="9" name="Rectangle 8">
-              <a:extLst>
-                <a:ext uri="{FF2B5EF4-FFF2-40B4-BE49-F238E27FC236}">
-                  <a16:creationId xmlns:a16="http://schemas.microsoft.com/office/drawing/2014/main" id="{09C1E7F6-C880-9E1F-5892-79A02B273696}"/>
-                </a:ext>
-              </a:extLst>
-            </p:cNvPr>
-            <p:cNvSpPr/>
-            <p:nvPr/>
-          </p:nvSpPr>
-          <p:spPr>
-            <a:xfrm>
-              <a:off x="7507403" y="1006813"/>
-              <a:ext cx="959089" cy="1014729"/>
-            </a:xfrm>
-            <a:prstGeom prst="rect">
-              <a:avLst/>
-            </a:prstGeom>
-            <a:noFill/>
-            <a:ln w="12700">
-              <a:solidFill>
-                <a:srgbClr val="5A6B86"/>
-              </a:solidFill>
-              <a:prstDash val="dash"/>
-            </a:ln>
-          </p:spPr>
-          <p:style>
-            <a:lnRef idx="2">
-              <a:schemeClr val="accent1">
-                <a:shade val="50000"/>
-              </a:schemeClr>
-            </a:lnRef>
-            <a:fillRef idx="1">
-              <a:schemeClr val="accent1"/>
-            </a:fillRef>
-            <a:effectRef idx="0">
-              <a:schemeClr val="accent1"/>
-            </a:effectRef>
-            <a:fontRef idx="minor">
-              <a:schemeClr val="lt1"/>
-            </a:fontRef>
-          </p:style>
-          <p:txBody>
-            <a:bodyPr tIns="36000"/>
-            <a:lstStyle/>
-            <a:p>
-              <a:pPr eaLnBrk="1" fontAlgn="auto" hangingPunct="1">
-                <a:spcBef>
-                  <a:spcPts val="0"/>
-                </a:spcBef>
-                <a:spcAft>
-                  <a:spcPts val="0"/>
-                </a:spcAft>
-                <a:defRPr/>
-              </a:pPr>
-              <a:r>
-                <a:rPr lang="en-GB" sz="2800" baseline="-11000" dirty="0">
-                  <a:solidFill>
-                    <a:schemeClr val="bg2">
-                      <a:lumMod val="40000"/>
-                      <a:lumOff val="60000"/>
-                    </a:schemeClr>
-                  </a:solidFill>
-                  <a:effectLst>
-                    <a:glow>
-                      <a:schemeClr val="bg1"/>
-                    </a:glow>
-                  </a:effectLst>
-                </a:rPr>
-                <a:t>🪢</a:t>
-              </a:r>
-              <a:r>
-                <a:rPr lang="en-GB" sz="2000" i="1" dirty="0">
-                  <a:solidFill>
-                    <a:schemeClr val="bg2">
-                      <a:lumMod val="40000"/>
-                      <a:lumOff val="60000"/>
-                    </a:schemeClr>
-                  </a:solidFill>
-                  <a:effectLst>
-                    <a:glow>
-                      <a:schemeClr val="bg1"/>
-                    </a:glow>
-                  </a:effectLst>
-                </a:rPr>
-                <a:t> </a:t>
-              </a:r>
-              <a:r>
-                <a:rPr lang="en-US" sz="2000" i="1" dirty="0">
-                  <a:solidFill>
-                    <a:schemeClr val="bg2">
-                      <a:lumMod val="40000"/>
-                      <a:lumOff val="60000"/>
-                    </a:schemeClr>
-                  </a:solidFill>
-                  <a:effectLst>
-                    <a:glow>
-                      <a:schemeClr val="bg1"/>
-                    </a:glow>
-                  </a:effectLst>
-                </a:rPr>
-                <a:t>Integrator</a:t>
-              </a:r>
-            </a:p>
-          </p:txBody>
-        </p:sp>
-      </p:grpSp>
-      <p:cxnSp>
-        <p:nvCxnSpPr>
-          <p:cNvPr id="18" name="Straight Arrow Connector 12">
-            <a:extLst>
-              <a:ext uri="{FF2B5EF4-FFF2-40B4-BE49-F238E27FC236}">
-                <a16:creationId xmlns:a16="http://schemas.microsoft.com/office/drawing/2014/main" id="{B213B2CC-DC7F-A7C9-7A82-9DF44D6B0118}"/>
-              </a:ext>
-            </a:extLst>
-          </p:cNvPr>
-          <p:cNvCxnSpPr>
-            <a:cxnSpLocks/>
-            <a:stCxn id="6" idx="0"/>
-            <a:endCxn id="145" idx="1"/>
-          </p:cNvCxnSpPr>
-          <p:nvPr/>
-        </p:nvCxnSpPr>
-        <p:spPr>
-          <a:xfrm rot="5400000" flipH="1" flipV="1">
-            <a:off x="2676422" y="523849"/>
-            <a:ext cx="993090" cy="2028781"/>
-          </a:xfrm>
-          <a:prstGeom prst="bentConnector2">
-            <a:avLst/>
-          </a:prstGeom>
-          <a:ln>
-            <a:solidFill>
-              <a:schemeClr val="accent4"/>
-            </a:solidFill>
-            <a:prstDash val="dash"/>
-            <a:tailEnd type="triangle" w="lg" len="lg"/>
-          </a:ln>
-        </p:spPr>
-        <p:style>
-          <a:lnRef idx="3">
-            <a:schemeClr val="accent2"/>
-          </a:lnRef>
-          <a:fillRef idx="0">
-            <a:schemeClr val="accent2"/>
-          </a:fillRef>
-          <a:effectRef idx="2">
-            <a:schemeClr val="accent2"/>
-          </a:effectRef>
-          <a:fontRef idx="minor">
-            <a:schemeClr val="tx1"/>
-          </a:fontRef>
-        </p:style>
-      </p:cxnSp>
-      <p:sp>
-        <p:nvSpPr>
-          <p:cNvPr id="94" name="TextBox 93">
-            <a:extLst>
-              <a:ext uri="{FF2B5EF4-FFF2-40B4-BE49-F238E27FC236}">
-                <a16:creationId xmlns:a16="http://schemas.microsoft.com/office/drawing/2014/main" id="{9DD793D8-F200-1807-4AB7-255DBB3338F8}"/>
-              </a:ext>
-            </a:extLst>
-          </p:cNvPr>
-          <p:cNvSpPr txBox="1"/>
-          <p:nvPr/>
-        </p:nvSpPr>
-        <p:spPr>
-          <a:xfrm>
-            <a:off x="2897801" y="2584812"/>
-            <a:ext cx="426505" cy="490493"/>
-          </a:xfrm>
-          <a:prstGeom prst="rect">
-            <a:avLst/>
-          </a:prstGeom>
-          <a:noFill/>
-        </p:spPr>
-        <p:txBody>
-          <a:bodyPr wrap="none" lIns="0" rIns="0" rtlCol="0">
-            <a:noAutofit/>
-          </a:bodyPr>
-          <a:lstStyle/>
-          <a:p>
-            <a:pPr algn="l"/>
-            <a:r>
-              <a:rPr lang="en-GB" dirty="0"/>
-              <a:t>     </a:t>
-            </a:r>
-          </a:p>
-        </p:txBody>
-      </p:sp>
-      <p:sp>
-        <p:nvSpPr>
-          <p:cNvPr id="99" name="TextBox 98">
-            <a:extLst>
-              <a:ext uri="{FF2B5EF4-FFF2-40B4-BE49-F238E27FC236}">
-                <a16:creationId xmlns:a16="http://schemas.microsoft.com/office/drawing/2014/main" id="{CF96096D-8003-1B8D-3A30-01F21EC089C7}"/>
-              </a:ext>
-            </a:extLst>
-          </p:cNvPr>
-          <p:cNvSpPr txBox="1"/>
-          <p:nvPr/>
-        </p:nvSpPr>
-        <p:spPr>
-          <a:xfrm>
-            <a:off x="8866222" y="2574566"/>
-            <a:ext cx="426505" cy="490493"/>
-          </a:xfrm>
-          <a:prstGeom prst="rect">
-            <a:avLst/>
-          </a:prstGeom>
-          <a:noFill/>
-        </p:spPr>
-        <p:txBody>
-          <a:bodyPr wrap="none" lIns="0" rIns="0" rtlCol="0">
-            <a:noAutofit/>
-          </a:bodyPr>
-          <a:lstStyle/>
-          <a:p>
-            <a:pPr algn="l"/>
-            <a:r>
-              <a:rPr lang="en-GB" dirty="0"/>
-              <a:t>     </a:t>
-            </a:r>
-          </a:p>
-        </p:txBody>
-      </p:sp>
-      <p:cxnSp>
-        <p:nvCxnSpPr>
-          <p:cNvPr id="102" name="Straight Arrow Connector 12">
-            <a:extLst>
-              <a:ext uri="{FF2B5EF4-FFF2-40B4-BE49-F238E27FC236}">
-                <a16:creationId xmlns:a16="http://schemas.microsoft.com/office/drawing/2014/main" id="{87A13EAB-E562-89C2-DECB-685F56DAE453}"/>
-              </a:ext>
-            </a:extLst>
-          </p:cNvPr>
-          <p:cNvCxnSpPr>
-            <a:cxnSpLocks/>
-            <a:stCxn id="6" idx="3"/>
-            <a:endCxn id="9" idx="1"/>
-          </p:cNvCxnSpPr>
-          <p:nvPr/>
-        </p:nvCxnSpPr>
-        <p:spPr>
-          <a:xfrm>
-            <a:off x="2959212" y="2554155"/>
-            <a:ext cx="5893284" cy="119"/>
-          </a:xfrm>
-          <a:prstGeom prst="straightConnector1">
-            <a:avLst/>
-          </a:prstGeom>
-          <a:ln>
-            <a:solidFill>
-              <a:schemeClr val="accent2"/>
-            </a:solidFill>
-            <a:tailEnd type="triangle" w="lg" len="lg"/>
-          </a:ln>
-        </p:spPr>
-        <p:style>
-          <a:lnRef idx="3">
-            <a:schemeClr val="accent2"/>
-          </a:lnRef>
-          <a:fillRef idx="0">
-            <a:schemeClr val="accent2"/>
-          </a:fillRef>
-          <a:effectRef idx="2">
-            <a:schemeClr val="accent2"/>
-          </a:effectRef>
-          <a:fontRef idx="minor">
-            <a:schemeClr val="tx1"/>
-          </a:fontRef>
-        </p:style>
-      </p:cxnSp>
-      <p:sp>
-        <p:nvSpPr>
-          <p:cNvPr id="122" name="Content Placeholder 2">
-            <a:extLst>
-              <a:ext uri="{FF2B5EF4-FFF2-40B4-BE49-F238E27FC236}">
-                <a16:creationId xmlns:a16="http://schemas.microsoft.com/office/drawing/2014/main" id="{6E31469F-4446-DCD5-BB31-77C280B1E91D}"/>
-              </a:ext>
-            </a:extLst>
-          </p:cNvPr>
-          <p:cNvSpPr txBox="1">
-            <a:spLocks/>
-          </p:cNvSpPr>
-          <p:nvPr/>
-        </p:nvSpPr>
-        <p:spPr>
-          <a:xfrm>
-            <a:off x="2538167" y="277543"/>
-            <a:ext cx="1370111" cy="707886"/>
-          </a:xfrm>
-          <a:prstGeom prst="rect">
-            <a:avLst/>
-          </a:prstGeom>
-        </p:spPr>
-        <p:txBody>
-          <a:bodyPr wrap="square">
-            <a:spAutoFit/>
-          </a:bodyPr>
-          <a:lstStyle>
-            <a:lvl1pPr marL="228600" indent="-228600" algn="l" defTabSz="914400" rtl="0" eaLnBrk="1" latinLnBrk="0" hangingPunct="1">
-              <a:lnSpc>
-                <a:spcPct val="90000"/>
-              </a:lnSpc>
-              <a:spcBef>
-                <a:spcPts val="0"/>
-              </a:spcBef>
-              <a:spcAft>
-                <a:spcPts val="1200"/>
-              </a:spcAft>
-              <a:buSzPct val="90000"/>
-              <a:buFont typeface="Amazon Ember" panose="020B0603020204020204" pitchFamily="34" charset="0"/>
-              <a:buChar char="•"/>
-              <a:defRPr sz="2800" kern="1200">
-                <a:solidFill>
-                  <a:schemeClr val="tx1"/>
-                </a:solidFill>
-                <a:latin typeface="+mn-lt"/>
-                <a:ea typeface="+mn-ea"/>
-                <a:cs typeface="+mn-cs"/>
-              </a:defRPr>
-            </a:lvl1pPr>
-            <a:lvl2pPr marL="457200" indent="-228600" algn="l" defTabSz="914400" rtl="0" eaLnBrk="1" latinLnBrk="0" hangingPunct="1">
-              <a:lnSpc>
-                <a:spcPct val="90000"/>
-              </a:lnSpc>
-              <a:spcBef>
-                <a:spcPts val="0"/>
-              </a:spcBef>
-              <a:spcAft>
-                <a:spcPts val="1200"/>
-              </a:spcAft>
-              <a:buSzPct val="90000"/>
-              <a:buFont typeface="Wingdings" panose="05000000000000000000" pitchFamily="2" charset="2"/>
-              <a:buChar char="§"/>
-              <a:defRPr sz="2400" kern="1200">
-                <a:solidFill>
-                  <a:schemeClr val="tx1"/>
-                </a:solidFill>
-                <a:latin typeface="+mn-lt"/>
-                <a:ea typeface="+mn-ea"/>
-                <a:cs typeface="+mn-cs"/>
-              </a:defRPr>
-            </a:lvl2pPr>
-            <a:lvl3pPr marL="685800" indent="-228600" algn="l" defTabSz="914400" rtl="0" eaLnBrk="1" latinLnBrk="0" hangingPunct="1">
-              <a:lnSpc>
-                <a:spcPct val="90000"/>
-              </a:lnSpc>
-              <a:spcBef>
-                <a:spcPts val="0"/>
-              </a:spcBef>
-              <a:spcAft>
-                <a:spcPts val="1200"/>
-              </a:spcAft>
-              <a:buSzPct val="90000"/>
-              <a:buFont typeface="Amazon Ember" panose="020B0603020204020204" pitchFamily="34" charset="0"/>
-              <a:buChar char="–"/>
-              <a:defRPr sz="2000" kern="1200">
-                <a:solidFill>
-                  <a:schemeClr val="tx1"/>
-                </a:solidFill>
-                <a:latin typeface="+mn-lt"/>
-                <a:ea typeface="+mn-ea"/>
-                <a:cs typeface="+mn-cs"/>
-              </a:defRPr>
-            </a:lvl3pPr>
-            <a:lvl4pPr marL="914400" indent="-228600" algn="l" defTabSz="914400" rtl="0" eaLnBrk="1" latinLnBrk="0" hangingPunct="1">
-              <a:lnSpc>
-                <a:spcPct val="90000"/>
-              </a:lnSpc>
-              <a:spcBef>
-                <a:spcPts val="0"/>
-              </a:spcBef>
-              <a:spcAft>
-                <a:spcPts val="1200"/>
-              </a:spcAft>
-              <a:buFont typeface="Amazon Ember" panose="020B0603020204020204" pitchFamily="34" charset="0"/>
-              <a:buChar char="•"/>
-              <a:defRPr sz="1800" kern="1200">
-                <a:solidFill>
-                  <a:schemeClr val="tx1"/>
-                </a:solidFill>
-                <a:latin typeface="+mn-lt"/>
-                <a:ea typeface="+mn-ea"/>
-                <a:cs typeface="+mn-cs"/>
-              </a:defRPr>
-            </a:lvl4pPr>
-            <a:lvl5pPr marL="1143000" indent="-228600" algn="l" defTabSz="914400" rtl="0" eaLnBrk="1" latinLnBrk="0" hangingPunct="1">
-              <a:lnSpc>
-                <a:spcPct val="90000"/>
-              </a:lnSpc>
-              <a:spcBef>
-                <a:spcPts val="0"/>
-              </a:spcBef>
-              <a:spcAft>
-                <a:spcPts val="1200"/>
-              </a:spcAft>
-              <a:buFont typeface="Amazon Ember" panose="020B0603020204020204" pitchFamily="34" charset="0"/>
-              <a:buChar char="•"/>
-              <a:defRPr sz="1800" kern="1200">
-                <a:solidFill>
-                  <a:schemeClr val="tx1"/>
-                </a:solidFill>
-                <a:latin typeface="+mn-lt"/>
-                <a:ea typeface="+mn-ea"/>
-                <a:cs typeface="+mn-cs"/>
-              </a:defRPr>
-            </a:lvl5pPr>
-            <a:lvl6pPr marL="2514600" indent="-228600" algn="l" defTabSz="914400" rtl="0" eaLnBrk="1" latinLnBrk="0" hangingPunct="1">
-              <a:lnSpc>
-                <a:spcPct val="90000"/>
-              </a:lnSpc>
-              <a:spcBef>
-                <a:spcPts val="500"/>
-              </a:spcBef>
-              <a:buFont typeface="Amazon Ember" panose="020B0603020204020204" pitchFamily="34" charset="0"/>
-              <a:buChar char="•"/>
-              <a:defRPr sz="1800" kern="1200">
-                <a:solidFill>
-                  <a:schemeClr val="tx1"/>
-                </a:solidFill>
-                <a:latin typeface="+mn-lt"/>
-                <a:ea typeface="+mn-ea"/>
-                <a:cs typeface="+mn-cs"/>
-              </a:defRPr>
-            </a:lvl6pPr>
-            <a:lvl7pPr marL="2971800" indent="-228600" algn="l" defTabSz="914400" rtl="0" eaLnBrk="1" latinLnBrk="0" hangingPunct="1">
-              <a:lnSpc>
-                <a:spcPct val="90000"/>
-              </a:lnSpc>
-              <a:spcBef>
-                <a:spcPts val="500"/>
-              </a:spcBef>
-              <a:buFont typeface="Amazon Ember" panose="020B0603020204020204" pitchFamily="34" charset="0"/>
-              <a:buChar char="•"/>
-              <a:defRPr sz="1800" kern="1200">
-                <a:solidFill>
-                  <a:schemeClr val="tx1"/>
-                </a:solidFill>
-                <a:latin typeface="+mn-lt"/>
-                <a:ea typeface="+mn-ea"/>
-                <a:cs typeface="+mn-cs"/>
-              </a:defRPr>
-            </a:lvl7pPr>
-            <a:lvl8pPr marL="3429000" indent="-228600" algn="l" defTabSz="914400" rtl="0" eaLnBrk="1" latinLnBrk="0" hangingPunct="1">
-              <a:lnSpc>
-                <a:spcPct val="90000"/>
-              </a:lnSpc>
-              <a:spcBef>
-                <a:spcPts val="500"/>
-              </a:spcBef>
-              <a:buFont typeface="Amazon Ember" panose="020B0603020204020204" pitchFamily="34" charset="0"/>
-              <a:buChar char="•"/>
-              <a:defRPr sz="1800" kern="1200">
-                <a:solidFill>
-                  <a:schemeClr val="tx1"/>
-                </a:solidFill>
-                <a:latin typeface="+mn-lt"/>
-                <a:ea typeface="+mn-ea"/>
-                <a:cs typeface="+mn-cs"/>
-              </a:defRPr>
-            </a:lvl8pPr>
-            <a:lvl9pPr marL="3886200" indent="-228600" algn="l" defTabSz="914400" rtl="0" eaLnBrk="1" latinLnBrk="0" hangingPunct="1">
-              <a:lnSpc>
-                <a:spcPct val="90000"/>
-              </a:lnSpc>
-              <a:spcBef>
-                <a:spcPts val="500"/>
-              </a:spcBef>
-              <a:buFont typeface="Amazon Ember" panose="020B0603020204020204" pitchFamily="34" charset="0"/>
-              <a:buChar char="•"/>
-              <a:defRPr sz="1800" kern="1200">
-                <a:solidFill>
-                  <a:schemeClr val="tx1"/>
-                </a:solidFill>
-                <a:latin typeface="+mn-lt"/>
-                <a:ea typeface="+mn-ea"/>
-                <a:cs typeface="+mn-cs"/>
-              </a:defRPr>
-            </a:lvl9pPr>
-          </a:lstStyle>
-          <a:p>
-            <a:pPr marL="0" indent="0">
-              <a:lnSpc>
-                <a:spcPct val="100000"/>
-              </a:lnSpc>
-              <a:spcAft>
-                <a:spcPts val="600"/>
-              </a:spcAft>
-              <a:buNone/>
-            </a:pPr>
-            <a:r>
-              <a:rPr lang="en-US" sz="2000" i="1" dirty="0">
-                <a:solidFill>
-                  <a:schemeClr val="bg2">
-                    <a:lumMod val="40000"/>
-                    <a:lumOff val="60000"/>
-                  </a:schemeClr>
-                </a:solidFill>
-                <a:effectLst>
-                  <a:glow>
-                    <a:schemeClr val="bg1"/>
-                  </a:glow>
-                </a:effectLst>
-              </a:rPr>
-              <a:t>discover </a:t>
-            </a:r>
-            <a:br>
-              <a:rPr lang="en-US" sz="2000" i="1" dirty="0">
-                <a:solidFill>
-                  <a:schemeClr val="bg2">
-                    <a:lumMod val="40000"/>
-                    <a:lumOff val="60000"/>
-                  </a:schemeClr>
-                </a:solidFill>
-                <a:effectLst>
-                  <a:glow>
-                    <a:schemeClr val="bg1"/>
-                  </a:glow>
-                </a:effectLst>
-              </a:rPr>
-            </a:br>
-            <a:r>
-              <a:rPr lang="en-US" sz="2000" i="1" dirty="0">
-                <a:solidFill>
-                  <a:schemeClr val="bg2">
-                    <a:lumMod val="40000"/>
-                    <a:lumOff val="60000"/>
-                  </a:schemeClr>
-                </a:solidFill>
-                <a:effectLst>
-                  <a:glow>
-                    <a:schemeClr val="bg1"/>
-                  </a:glow>
-                </a:effectLst>
-              </a:rPr>
-              <a:t>schema</a:t>
-            </a:r>
-          </a:p>
-        </p:txBody>
-      </p:sp>
-      <p:sp>
-        <p:nvSpPr>
-          <p:cNvPr id="123" name="Rounded Rectangle 122">
-            <a:extLst>
-              <a:ext uri="{FF2B5EF4-FFF2-40B4-BE49-F238E27FC236}">
-                <a16:creationId xmlns:a16="http://schemas.microsoft.com/office/drawing/2014/main" id="{33C5181E-E8E3-CB0E-3AA1-4F16D65D55EA}"/>
-              </a:ext>
-            </a:extLst>
-          </p:cNvPr>
-          <p:cNvSpPr/>
-          <p:nvPr/>
-        </p:nvSpPr>
-        <p:spPr>
-          <a:xfrm>
-            <a:off x="2146758" y="542367"/>
-            <a:ext cx="360000" cy="360000"/>
-          </a:xfrm>
-          <a:prstGeom prst="roundRect">
-            <a:avLst/>
-          </a:prstGeom>
-          <a:solidFill>
-            <a:schemeClr val="accent4"/>
-          </a:solidFill>
-          <a:ln>
-            <a:noFill/>
-          </a:ln>
-        </p:spPr>
-        <p:style>
-          <a:lnRef idx="0">
-            <a:scrgbClr r="0" g="0" b="0"/>
-          </a:lnRef>
-          <a:fillRef idx="0">
-            <a:scrgbClr r="0" g="0" b="0"/>
-          </a:fillRef>
-          <a:effectRef idx="0">
-            <a:scrgbClr r="0" g="0" b="0"/>
-          </a:effectRef>
-          <a:fontRef idx="minor">
-            <a:schemeClr val="lt1"/>
-          </a:fontRef>
-        </p:style>
-        <p:txBody>
-          <a:bodyPr lIns="45720" tIns="45720" rIns="45720" rtlCol="0" anchor="ctr"/>
-          <a:lstStyle/>
-          <a:p>
-            <a:pPr algn="ctr"/>
-            <a:r>
-              <a:rPr lang="en-GB" b="1" dirty="0">
-                <a:solidFill>
-                  <a:schemeClr val="tx1"/>
-                </a:solidFill>
-              </a:rPr>
-              <a:t>0</a:t>
-            </a:r>
-          </a:p>
-        </p:txBody>
-      </p:sp>
-      <p:sp>
-        <p:nvSpPr>
-          <p:cNvPr id="124" name="Content Placeholder 2">
-            <a:extLst>
-              <a:ext uri="{FF2B5EF4-FFF2-40B4-BE49-F238E27FC236}">
-                <a16:creationId xmlns:a16="http://schemas.microsoft.com/office/drawing/2014/main" id="{38E2FB59-AE4B-40BF-40D0-89EA6A1615E5}"/>
-              </a:ext>
-            </a:extLst>
-          </p:cNvPr>
-          <p:cNvSpPr txBox="1">
-            <a:spLocks/>
-          </p:cNvSpPr>
-          <p:nvPr/>
-        </p:nvSpPr>
-        <p:spPr>
-          <a:xfrm>
-            <a:off x="3451380" y="2056832"/>
-            <a:ext cx="2221183" cy="400110"/>
-          </a:xfrm>
-          <a:prstGeom prst="rect">
-            <a:avLst/>
-          </a:prstGeom>
-        </p:spPr>
-        <p:txBody>
-          <a:bodyPr wrap="square">
-            <a:spAutoFit/>
-          </a:bodyPr>
-          <a:lstStyle>
-            <a:lvl1pPr marL="228600" indent="-228600" algn="l" defTabSz="914400" rtl="0" eaLnBrk="1" latinLnBrk="0" hangingPunct="1">
-              <a:lnSpc>
-                <a:spcPct val="90000"/>
-              </a:lnSpc>
-              <a:spcBef>
-                <a:spcPts val="0"/>
-              </a:spcBef>
-              <a:spcAft>
-                <a:spcPts val="1200"/>
-              </a:spcAft>
-              <a:buSzPct val="90000"/>
-              <a:buFont typeface="Amazon Ember" panose="020B0603020204020204" pitchFamily="34" charset="0"/>
-              <a:buChar char="•"/>
-              <a:defRPr sz="2800" kern="1200">
-                <a:solidFill>
-                  <a:schemeClr val="tx1"/>
-                </a:solidFill>
-                <a:latin typeface="+mn-lt"/>
-                <a:ea typeface="+mn-ea"/>
-                <a:cs typeface="+mn-cs"/>
-              </a:defRPr>
-            </a:lvl1pPr>
-            <a:lvl2pPr marL="457200" indent="-228600" algn="l" defTabSz="914400" rtl="0" eaLnBrk="1" latinLnBrk="0" hangingPunct="1">
-              <a:lnSpc>
-                <a:spcPct val="90000"/>
-              </a:lnSpc>
-              <a:spcBef>
-                <a:spcPts val="0"/>
-              </a:spcBef>
-              <a:spcAft>
-                <a:spcPts val="1200"/>
-              </a:spcAft>
-              <a:buSzPct val="90000"/>
-              <a:buFont typeface="Wingdings" panose="05000000000000000000" pitchFamily="2" charset="2"/>
-              <a:buChar char="§"/>
-              <a:defRPr sz="2400" kern="1200">
-                <a:solidFill>
-                  <a:schemeClr val="tx1"/>
-                </a:solidFill>
-                <a:latin typeface="+mn-lt"/>
-                <a:ea typeface="+mn-ea"/>
-                <a:cs typeface="+mn-cs"/>
-              </a:defRPr>
-            </a:lvl2pPr>
-            <a:lvl3pPr marL="685800" indent="-228600" algn="l" defTabSz="914400" rtl="0" eaLnBrk="1" latinLnBrk="0" hangingPunct="1">
-              <a:lnSpc>
-                <a:spcPct val="90000"/>
-              </a:lnSpc>
-              <a:spcBef>
-                <a:spcPts val="0"/>
-              </a:spcBef>
-              <a:spcAft>
-                <a:spcPts val="1200"/>
-              </a:spcAft>
-              <a:buSzPct val="90000"/>
-              <a:buFont typeface="Amazon Ember" panose="020B0603020204020204" pitchFamily="34" charset="0"/>
-              <a:buChar char="–"/>
-              <a:defRPr sz="2000" kern="1200">
-                <a:solidFill>
-                  <a:schemeClr val="tx1"/>
-                </a:solidFill>
-                <a:latin typeface="+mn-lt"/>
-                <a:ea typeface="+mn-ea"/>
-                <a:cs typeface="+mn-cs"/>
-              </a:defRPr>
-            </a:lvl3pPr>
-            <a:lvl4pPr marL="914400" indent="-228600" algn="l" defTabSz="914400" rtl="0" eaLnBrk="1" latinLnBrk="0" hangingPunct="1">
-              <a:lnSpc>
-                <a:spcPct val="90000"/>
-              </a:lnSpc>
-              <a:spcBef>
-                <a:spcPts val="0"/>
-              </a:spcBef>
-              <a:spcAft>
-                <a:spcPts val="1200"/>
-              </a:spcAft>
-              <a:buFont typeface="Amazon Ember" panose="020B0603020204020204" pitchFamily="34" charset="0"/>
-              <a:buChar char="•"/>
-              <a:defRPr sz="1800" kern="1200">
-                <a:solidFill>
-                  <a:schemeClr val="tx1"/>
-                </a:solidFill>
-                <a:latin typeface="+mn-lt"/>
-                <a:ea typeface="+mn-ea"/>
-                <a:cs typeface="+mn-cs"/>
-              </a:defRPr>
-            </a:lvl4pPr>
-            <a:lvl5pPr marL="1143000" indent="-228600" algn="l" defTabSz="914400" rtl="0" eaLnBrk="1" latinLnBrk="0" hangingPunct="1">
-              <a:lnSpc>
-                <a:spcPct val="90000"/>
-              </a:lnSpc>
-              <a:spcBef>
-                <a:spcPts val="0"/>
-              </a:spcBef>
-              <a:spcAft>
-                <a:spcPts val="1200"/>
-              </a:spcAft>
-              <a:buFont typeface="Amazon Ember" panose="020B0603020204020204" pitchFamily="34" charset="0"/>
-              <a:buChar char="•"/>
-              <a:defRPr sz="1800" kern="1200">
-                <a:solidFill>
-                  <a:schemeClr val="tx1"/>
-                </a:solidFill>
-                <a:latin typeface="+mn-lt"/>
-                <a:ea typeface="+mn-ea"/>
-                <a:cs typeface="+mn-cs"/>
-              </a:defRPr>
-            </a:lvl5pPr>
-            <a:lvl6pPr marL="2514600" indent="-228600" algn="l" defTabSz="914400" rtl="0" eaLnBrk="1" latinLnBrk="0" hangingPunct="1">
-              <a:lnSpc>
-                <a:spcPct val="90000"/>
-              </a:lnSpc>
-              <a:spcBef>
-                <a:spcPts val="500"/>
-              </a:spcBef>
-              <a:buFont typeface="Amazon Ember" panose="020B0603020204020204" pitchFamily="34" charset="0"/>
-              <a:buChar char="•"/>
-              <a:defRPr sz="1800" kern="1200">
-                <a:solidFill>
-                  <a:schemeClr val="tx1"/>
-                </a:solidFill>
-                <a:latin typeface="+mn-lt"/>
-                <a:ea typeface="+mn-ea"/>
-                <a:cs typeface="+mn-cs"/>
-              </a:defRPr>
-            </a:lvl6pPr>
-            <a:lvl7pPr marL="2971800" indent="-228600" algn="l" defTabSz="914400" rtl="0" eaLnBrk="1" latinLnBrk="0" hangingPunct="1">
-              <a:lnSpc>
-                <a:spcPct val="90000"/>
-              </a:lnSpc>
-              <a:spcBef>
-                <a:spcPts val="500"/>
-              </a:spcBef>
-              <a:buFont typeface="Amazon Ember" panose="020B0603020204020204" pitchFamily="34" charset="0"/>
-              <a:buChar char="•"/>
-              <a:defRPr sz="1800" kern="1200">
-                <a:solidFill>
-                  <a:schemeClr val="tx1"/>
-                </a:solidFill>
-                <a:latin typeface="+mn-lt"/>
-                <a:ea typeface="+mn-ea"/>
-                <a:cs typeface="+mn-cs"/>
-              </a:defRPr>
-            </a:lvl7pPr>
-            <a:lvl8pPr marL="3429000" indent="-228600" algn="l" defTabSz="914400" rtl="0" eaLnBrk="1" latinLnBrk="0" hangingPunct="1">
-              <a:lnSpc>
-                <a:spcPct val="90000"/>
-              </a:lnSpc>
-              <a:spcBef>
-                <a:spcPts val="500"/>
-              </a:spcBef>
-              <a:buFont typeface="Amazon Ember" panose="020B0603020204020204" pitchFamily="34" charset="0"/>
-              <a:buChar char="•"/>
-              <a:defRPr sz="1800" kern="1200">
-                <a:solidFill>
-                  <a:schemeClr val="tx1"/>
-                </a:solidFill>
-                <a:latin typeface="+mn-lt"/>
-                <a:ea typeface="+mn-ea"/>
-                <a:cs typeface="+mn-cs"/>
-              </a:defRPr>
-            </a:lvl8pPr>
-            <a:lvl9pPr marL="3886200" indent="-228600" algn="l" defTabSz="914400" rtl="0" eaLnBrk="1" latinLnBrk="0" hangingPunct="1">
-              <a:lnSpc>
-                <a:spcPct val="90000"/>
-              </a:lnSpc>
-              <a:spcBef>
-                <a:spcPts val="500"/>
-              </a:spcBef>
-              <a:buFont typeface="Amazon Ember" panose="020B0603020204020204" pitchFamily="34" charset="0"/>
-              <a:buChar char="•"/>
-              <a:defRPr sz="1800" kern="1200">
-                <a:solidFill>
-                  <a:schemeClr val="tx1"/>
-                </a:solidFill>
-                <a:latin typeface="+mn-lt"/>
-                <a:ea typeface="+mn-ea"/>
-                <a:cs typeface="+mn-cs"/>
-              </a:defRPr>
-            </a:lvl9pPr>
-          </a:lstStyle>
-          <a:p>
-            <a:pPr marL="0" indent="0">
-              <a:lnSpc>
-                <a:spcPct val="100000"/>
-              </a:lnSpc>
-              <a:spcAft>
-                <a:spcPts val="600"/>
-              </a:spcAft>
-              <a:buNone/>
-            </a:pPr>
-            <a:r>
-              <a:rPr lang="en-US" sz="2000" i="1" dirty="0">
-                <a:solidFill>
-                  <a:schemeClr val="bg2">
-                    <a:lumMod val="40000"/>
-                    <a:lumOff val="60000"/>
-                  </a:schemeClr>
-                </a:solidFill>
-                <a:effectLst>
-                  <a:glow>
-                    <a:schemeClr val="bg1"/>
-                  </a:glow>
-                </a:effectLst>
-              </a:rPr>
-              <a:t>get dataset</a:t>
-            </a:r>
-          </a:p>
-        </p:txBody>
-      </p:sp>
-      <p:sp>
-        <p:nvSpPr>
-          <p:cNvPr id="125" name="Rounded Rectangle 124">
-            <a:extLst>
-              <a:ext uri="{FF2B5EF4-FFF2-40B4-BE49-F238E27FC236}">
-                <a16:creationId xmlns:a16="http://schemas.microsoft.com/office/drawing/2014/main" id="{631D53F1-55A9-DB37-4EBF-272E534C6B09}"/>
-              </a:ext>
-            </a:extLst>
-          </p:cNvPr>
-          <p:cNvSpPr/>
-          <p:nvPr/>
-        </p:nvSpPr>
-        <p:spPr>
-          <a:xfrm>
-            <a:off x="3081712" y="2076887"/>
-            <a:ext cx="360000" cy="360000"/>
-          </a:xfrm>
-          <a:prstGeom prst="roundRect">
-            <a:avLst/>
-          </a:prstGeom>
-          <a:solidFill>
-            <a:schemeClr val="accent2"/>
-          </a:solidFill>
-          <a:ln>
-            <a:noFill/>
-          </a:ln>
-        </p:spPr>
-        <p:style>
-          <a:lnRef idx="0">
-            <a:scrgbClr r="0" g="0" b="0"/>
-          </a:lnRef>
-          <a:fillRef idx="0">
-            <a:scrgbClr r="0" g="0" b="0"/>
-          </a:fillRef>
-          <a:effectRef idx="0">
-            <a:scrgbClr r="0" g="0" b="0"/>
-          </a:effectRef>
-          <a:fontRef idx="minor">
-            <a:schemeClr val="lt1"/>
-          </a:fontRef>
-        </p:style>
-        <p:txBody>
-          <a:bodyPr lIns="45720" tIns="45720" rIns="45720" rtlCol="0" anchor="ctr"/>
-          <a:lstStyle/>
-          <a:p>
-            <a:pPr algn="ctr"/>
-            <a:r>
-              <a:rPr lang="en-GB" b="1" dirty="0">
-                <a:solidFill>
-                  <a:schemeClr val="tx1"/>
-                </a:solidFill>
-              </a:rPr>
-              <a:t>1</a:t>
-            </a:r>
-          </a:p>
-        </p:txBody>
-      </p:sp>
-      <p:grpSp>
-        <p:nvGrpSpPr>
-          <p:cNvPr id="143" name="Group 142">
-            <a:extLst>
-              <a:ext uri="{FF2B5EF4-FFF2-40B4-BE49-F238E27FC236}">
-                <a16:creationId xmlns:a16="http://schemas.microsoft.com/office/drawing/2014/main" id="{6FABCD09-BAAE-1319-628C-09D0DA5BE2D4}"/>
-              </a:ext>
-            </a:extLst>
-          </p:cNvPr>
-          <p:cNvGrpSpPr/>
-          <p:nvPr/>
-        </p:nvGrpSpPr>
-        <p:grpSpPr>
-          <a:xfrm>
-            <a:off x="4187358" y="522323"/>
-            <a:ext cx="1761397" cy="1038741"/>
-            <a:chOff x="7507403" y="1006813"/>
-            <a:chExt cx="691415" cy="1038741"/>
-          </a:xfrm>
-        </p:grpSpPr>
-        <p:sp>
-          <p:nvSpPr>
-            <p:cNvPr id="144" name="Rectangle 143">
-              <a:extLst>
-                <a:ext uri="{FF2B5EF4-FFF2-40B4-BE49-F238E27FC236}">
-                  <a16:creationId xmlns:a16="http://schemas.microsoft.com/office/drawing/2014/main" id="{8950BB60-CBB0-DC32-2B94-9C048C0349FA}"/>
-                </a:ext>
-              </a:extLst>
-            </p:cNvPr>
-            <p:cNvSpPr/>
-            <p:nvPr/>
-          </p:nvSpPr>
-          <p:spPr>
-            <a:xfrm>
-              <a:off x="7538137" y="1386857"/>
-              <a:ext cx="628958" cy="562183"/>
-            </a:xfrm>
-            <a:prstGeom prst="rect">
-              <a:avLst/>
-            </a:prstGeom>
-            <a:solidFill>
-              <a:schemeClr val="tx1">
-                <a:lumMod val="95000"/>
-              </a:schemeClr>
-            </a:solidFill>
-            <a:ln w="28575">
-              <a:solidFill>
-                <a:schemeClr val="tx1">
-                  <a:lumMod val="50000"/>
-                </a:schemeClr>
-              </a:solidFill>
-              <a:prstDash val="solid"/>
-            </a:ln>
-          </p:spPr>
-          <p:style>
-            <a:lnRef idx="2">
-              <a:schemeClr val="accent1">
-                <a:shade val="50000"/>
-              </a:schemeClr>
-            </a:lnRef>
-            <a:fillRef idx="1">
-              <a:schemeClr val="accent1"/>
-            </a:fillRef>
-            <a:effectRef idx="0">
-              <a:schemeClr val="accent1"/>
-            </a:effectRef>
-            <a:fontRef idx="minor">
-              <a:schemeClr val="lt1"/>
-            </a:fontRef>
-          </p:style>
-          <p:txBody>
-            <a:bodyPr lIns="144000" tIns="144000" rIns="144000" bIns="144000" anchor="ctr"/>
-            <a:lstStyle/>
-            <a:p>
-              <a:r>
-                <a:rPr lang="en-GB" sz="3200" baseline="-9000" dirty="0">
-                  <a:solidFill>
-                    <a:schemeClr val="bg2">
-                      <a:lumMod val="40000"/>
-                      <a:lumOff val="60000"/>
-                    </a:schemeClr>
-                  </a:solidFill>
-                  <a:effectLst>
-                    <a:glow>
-                      <a:schemeClr val="bg1"/>
-                    </a:glow>
-                  </a:effectLst>
-                </a:rPr>
-                <a:t>🔎</a:t>
-              </a:r>
-              <a:r>
-                <a:rPr lang="en-GB" sz="2400" dirty="0">
-                  <a:solidFill>
-                    <a:sysClr val="windowText" lastClr="000000"/>
-                  </a:solidFill>
-                  <a:latin typeface="+mj-lt"/>
-                  <a:cs typeface="Arial" panose="020B0604020202020204" pitchFamily="34" charset="0"/>
-                </a:rPr>
-                <a:t> Finder</a:t>
-              </a:r>
-            </a:p>
-          </p:txBody>
-        </p:sp>
-        <p:sp>
-          <p:nvSpPr>
-            <p:cNvPr id="145" name="Rectangle 144">
-              <a:extLst>
-                <a:ext uri="{FF2B5EF4-FFF2-40B4-BE49-F238E27FC236}">
-                  <a16:creationId xmlns:a16="http://schemas.microsoft.com/office/drawing/2014/main" id="{40A7EA42-A442-8F32-547A-CD23A3C8C959}"/>
-                </a:ext>
-              </a:extLst>
-            </p:cNvPr>
-            <p:cNvSpPr/>
-            <p:nvPr/>
-          </p:nvSpPr>
-          <p:spPr>
-            <a:xfrm>
-              <a:off x="7507403" y="1006813"/>
-              <a:ext cx="691415" cy="1038741"/>
-            </a:xfrm>
-            <a:prstGeom prst="rect">
-              <a:avLst/>
-            </a:prstGeom>
-            <a:noFill/>
-            <a:ln w="12700">
-              <a:solidFill>
-                <a:srgbClr val="5A6B86"/>
-              </a:solidFill>
-              <a:prstDash val="dash"/>
-            </a:ln>
-          </p:spPr>
-          <p:style>
-            <a:lnRef idx="2">
-              <a:schemeClr val="accent1">
-                <a:shade val="50000"/>
-              </a:schemeClr>
-            </a:lnRef>
-            <a:fillRef idx="1">
-              <a:schemeClr val="accent1"/>
-            </a:fillRef>
-            <a:effectRef idx="0">
-              <a:schemeClr val="accent1"/>
-            </a:effectRef>
-            <a:fontRef idx="minor">
-              <a:schemeClr val="lt1"/>
-            </a:fontRef>
-          </p:style>
-          <p:txBody>
-            <a:bodyPr tIns="36000"/>
-            <a:lstStyle/>
-            <a:p>
-              <a:pPr eaLnBrk="1" fontAlgn="auto" hangingPunct="1">
-                <a:spcBef>
-                  <a:spcPts val="0"/>
-                </a:spcBef>
-                <a:spcAft>
-                  <a:spcPts val="0"/>
-                </a:spcAft>
-                <a:defRPr/>
-              </a:pPr>
-              <a:r>
-                <a:rPr lang="en-GB" sz="2000" dirty="0">
-                  <a:solidFill>
-                    <a:schemeClr val="bg2">
-                      <a:lumMod val="40000"/>
-                      <a:lumOff val="60000"/>
-                    </a:schemeClr>
-                  </a:solidFill>
-                  <a:effectLst>
-                    <a:glow>
-                      <a:schemeClr val="bg1"/>
-                    </a:glow>
-                  </a:effectLst>
-                </a:rPr>
-                <a:t>👥</a:t>
-              </a:r>
-              <a:r>
-                <a:rPr lang="en-GB" sz="2000" i="1" dirty="0">
-                  <a:solidFill>
-                    <a:schemeClr val="bg2">
-                      <a:lumMod val="40000"/>
-                      <a:lumOff val="60000"/>
-                    </a:schemeClr>
-                  </a:solidFill>
-                  <a:effectLst>
-                    <a:glow>
-                      <a:schemeClr val="bg1"/>
-                    </a:glow>
-                  </a:effectLst>
-                </a:rPr>
-                <a:t> </a:t>
-              </a:r>
-              <a:r>
-                <a:rPr lang="en-US" sz="2000" i="1" dirty="0">
-                  <a:solidFill>
-                    <a:schemeClr val="bg2">
-                      <a:lumMod val="40000"/>
-                      <a:lumOff val="60000"/>
-                    </a:schemeClr>
-                  </a:solidFill>
-                  <a:effectLst>
-                    <a:glow>
-                      <a:schemeClr val="bg1"/>
-                    </a:glow>
-                  </a:effectLst>
-                </a:rPr>
-                <a:t>domain</a:t>
-              </a:r>
-            </a:p>
-          </p:txBody>
-        </p:sp>
-      </p:grpSp>
-      <p:grpSp>
-        <p:nvGrpSpPr>
-          <p:cNvPr id="175" name="Group 174">
-            <a:extLst>
-              <a:ext uri="{FF2B5EF4-FFF2-40B4-BE49-F238E27FC236}">
-                <a16:creationId xmlns:a16="http://schemas.microsoft.com/office/drawing/2014/main" id="{B037D65A-CC78-328C-3581-FCF34838C3CF}"/>
-              </a:ext>
-            </a:extLst>
-          </p:cNvPr>
-          <p:cNvGrpSpPr/>
-          <p:nvPr/>
-        </p:nvGrpSpPr>
-        <p:grpSpPr>
-          <a:xfrm>
-            <a:off x="4196698" y="3130220"/>
-            <a:ext cx="1988691" cy="1316816"/>
-            <a:chOff x="7388710" y="3835400"/>
-            <a:chExt cx="1988691" cy="1316816"/>
-          </a:xfrm>
-        </p:grpSpPr>
-        <p:grpSp>
-          <p:nvGrpSpPr>
-            <p:cNvPr id="176" name="Group 175">
-              <a:extLst>
-                <a:ext uri="{FF2B5EF4-FFF2-40B4-BE49-F238E27FC236}">
-                  <a16:creationId xmlns:a16="http://schemas.microsoft.com/office/drawing/2014/main" id="{E64D8FE6-B743-D813-E207-919E5DC27FE4}"/>
-                </a:ext>
-              </a:extLst>
-            </p:cNvPr>
-            <p:cNvGrpSpPr/>
-            <p:nvPr/>
-          </p:nvGrpSpPr>
-          <p:grpSpPr>
-            <a:xfrm>
-              <a:off x="7388710" y="3835400"/>
-              <a:ext cx="1988691" cy="1316816"/>
-              <a:chOff x="6139542" y="693286"/>
-              <a:chExt cx="1988691" cy="1316816"/>
-            </a:xfrm>
-          </p:grpSpPr>
-          <p:sp>
-            <p:nvSpPr>
-              <p:cNvPr id="181" name="Rectangle 180">
-                <a:extLst>
-                  <a:ext uri="{FF2B5EF4-FFF2-40B4-BE49-F238E27FC236}">
-                    <a16:creationId xmlns:a16="http://schemas.microsoft.com/office/drawing/2014/main" id="{C046A22B-1053-D4D7-DAFA-0B202AB8CE9A}"/>
-                  </a:ext>
-                </a:extLst>
-              </p:cNvPr>
-              <p:cNvSpPr/>
-              <p:nvPr/>
-            </p:nvSpPr>
-            <p:spPr>
-              <a:xfrm>
-                <a:off x="6236556" y="1351846"/>
-                <a:ext cx="1791009" cy="562183"/>
-              </a:xfrm>
-              <a:prstGeom prst="rect">
-                <a:avLst/>
-              </a:prstGeom>
-              <a:solidFill>
-                <a:schemeClr val="tx1">
-                  <a:lumMod val="95000"/>
-                </a:schemeClr>
-              </a:solidFill>
-              <a:ln w="28575">
-                <a:solidFill>
-                  <a:schemeClr val="tx1">
-                    <a:lumMod val="50000"/>
-                  </a:schemeClr>
-                </a:solidFill>
-                <a:prstDash val="solid"/>
-              </a:ln>
-            </p:spPr>
-            <p:style>
-              <a:lnRef idx="2">
-                <a:schemeClr val="accent1">
-                  <a:shade val="50000"/>
-                </a:schemeClr>
-              </a:lnRef>
-              <a:fillRef idx="1">
-                <a:schemeClr val="accent1"/>
-              </a:fillRef>
-              <a:effectRef idx="0">
-                <a:schemeClr val="accent1"/>
-              </a:effectRef>
-              <a:fontRef idx="minor">
-                <a:schemeClr val="lt1"/>
-              </a:fontRef>
-            </p:style>
-            <p:txBody>
-              <a:bodyPr lIns="144000" tIns="144000" rIns="144000" bIns="144000" anchor="ctr"/>
-              <a:lstStyle/>
-              <a:p>
-                <a:r>
-                  <a:rPr lang="en-GB" sz="3200" baseline="-9000" dirty="0">
-                    <a:solidFill>
-                      <a:schemeClr val="bg2">
-                        <a:lumMod val="40000"/>
-                        <a:lumOff val="60000"/>
-                      </a:schemeClr>
-                    </a:solidFill>
-                    <a:effectLst>
-                      <a:glow>
-                        <a:schemeClr val="bg1"/>
-                      </a:glow>
-                    </a:effectLst>
-                  </a:rPr>
-                  <a:t>🧑‍🦰</a:t>
-                </a:r>
-                <a:r>
-                  <a:rPr lang="en-GB" sz="2400" dirty="0">
-                    <a:solidFill>
-                      <a:sysClr val="windowText" lastClr="000000"/>
-                    </a:solidFill>
-                    <a:latin typeface="+mj-lt"/>
-                    <a:cs typeface="Arial" panose="020B0604020202020204" pitchFamily="34" charset="0"/>
-                  </a:rPr>
-                  <a:t> Wallet</a:t>
-                </a:r>
-              </a:p>
-            </p:txBody>
-          </p:sp>
-          <p:sp>
-            <p:nvSpPr>
-              <p:cNvPr id="182" name="Rectangle 181">
-                <a:extLst>
-                  <a:ext uri="{FF2B5EF4-FFF2-40B4-BE49-F238E27FC236}">
-                    <a16:creationId xmlns:a16="http://schemas.microsoft.com/office/drawing/2014/main" id="{1311F4BE-4761-C8AD-949D-7043DE1D356E}"/>
-                  </a:ext>
-                </a:extLst>
-              </p:cNvPr>
-              <p:cNvSpPr/>
-              <p:nvPr/>
-            </p:nvSpPr>
-            <p:spPr>
-              <a:xfrm>
-                <a:off x="6139542" y="693286"/>
-                <a:ext cx="1988691" cy="1316816"/>
-              </a:xfrm>
-              <a:prstGeom prst="rect">
-                <a:avLst/>
-              </a:prstGeom>
-              <a:noFill/>
-              <a:ln w="12700">
-                <a:solidFill>
-                  <a:srgbClr val="5A6B86"/>
-                </a:solidFill>
-                <a:prstDash val="dash"/>
-              </a:ln>
-            </p:spPr>
-            <p:style>
-              <a:lnRef idx="2">
-                <a:schemeClr val="accent1">
-                  <a:shade val="50000"/>
-                </a:schemeClr>
-              </a:lnRef>
-              <a:fillRef idx="1">
-                <a:schemeClr val="accent1"/>
-              </a:fillRef>
-              <a:effectRef idx="0">
-                <a:schemeClr val="accent1"/>
-              </a:effectRef>
-              <a:fontRef idx="minor">
-                <a:schemeClr val="lt1"/>
-              </a:fontRef>
-            </p:style>
-            <p:txBody>
-              <a:bodyPr tIns="36000"/>
-              <a:lstStyle/>
-              <a:p>
-                <a:pPr eaLnBrk="1" fontAlgn="auto" hangingPunct="1">
-                  <a:spcBef>
-                    <a:spcPts val="0"/>
-                  </a:spcBef>
-                  <a:spcAft>
-                    <a:spcPts val="0"/>
-                  </a:spcAft>
-                  <a:defRPr/>
-                </a:pPr>
-                <a:endParaRPr lang="en-US" sz="2000" i="1" dirty="0">
-                  <a:solidFill>
-                    <a:schemeClr val="bg2">
-                      <a:lumMod val="40000"/>
-                      <a:lumOff val="60000"/>
-                    </a:schemeClr>
-                  </a:solidFill>
-                  <a:effectLst>
-                    <a:glow>
-                      <a:schemeClr val="bg1"/>
-                    </a:glow>
-                  </a:effectLst>
-                </a:endParaRPr>
-              </a:p>
-            </p:txBody>
-          </p:sp>
-        </p:grpSp>
-        <p:sp>
-          <p:nvSpPr>
-            <p:cNvPr id="177" name="Rectangle 176">
-              <a:extLst>
-                <a:ext uri="{FF2B5EF4-FFF2-40B4-BE49-F238E27FC236}">
-                  <a16:creationId xmlns:a16="http://schemas.microsoft.com/office/drawing/2014/main" id="{16B80E71-376C-9090-CFEE-BF403A9AA111}"/>
-                </a:ext>
-              </a:extLst>
-            </p:cNvPr>
-            <p:cNvSpPr/>
-            <p:nvPr/>
-          </p:nvSpPr>
-          <p:spPr>
-            <a:xfrm>
-              <a:off x="8122107" y="3928533"/>
-              <a:ext cx="530040" cy="482053"/>
-            </a:xfrm>
-            <a:prstGeom prst="rect">
-              <a:avLst/>
-            </a:prstGeom>
-            <a:solidFill>
-              <a:schemeClr val="tx1">
-                <a:lumMod val="95000"/>
-              </a:schemeClr>
-            </a:solidFill>
-            <a:ln w="28575">
-              <a:solidFill>
-                <a:schemeClr val="tx1">
-                  <a:lumMod val="50000"/>
-                </a:schemeClr>
-              </a:solidFill>
-              <a:prstDash val="solid"/>
-            </a:ln>
-          </p:spPr>
-          <p:style>
-            <a:lnRef idx="2">
-              <a:schemeClr val="accent1">
-                <a:shade val="50000"/>
-              </a:schemeClr>
-            </a:lnRef>
-            <a:fillRef idx="1">
-              <a:schemeClr val="accent1"/>
-            </a:fillRef>
-            <a:effectRef idx="0">
-              <a:schemeClr val="accent1"/>
-            </a:effectRef>
-            <a:fontRef idx="minor">
-              <a:schemeClr val="lt1"/>
-            </a:fontRef>
-          </p:style>
-          <p:txBody>
-            <a:bodyPr lIns="144000" tIns="144000" rIns="144000" bIns="144000" anchor="ctr"/>
-            <a:lstStyle/>
-            <a:p>
-              <a:pPr>
-                <a:lnSpc>
-                  <a:spcPts val="1500"/>
-                </a:lnSpc>
-                <a:defRPr/>
-              </a:pPr>
-              <a:r>
-                <a:rPr lang="en-GB" sz="3200" baseline="-9000" dirty="0">
-                  <a:solidFill>
-                    <a:schemeClr val="bg2">
-                      <a:lumMod val="40000"/>
-                      <a:lumOff val="60000"/>
-                    </a:schemeClr>
-                  </a:solidFill>
-                  <a:effectLst>
-                    <a:glow>
-                      <a:schemeClr val="bg1"/>
-                    </a:glow>
-                  </a:effectLst>
-                </a:rPr>
-                <a:t> 📣</a:t>
-              </a:r>
-              <a:endParaRPr lang="en-GB" sz="2400" dirty="0">
-                <a:solidFill>
-                  <a:sysClr val="windowText" lastClr="000000"/>
-                </a:solidFill>
-                <a:latin typeface="+mj-lt"/>
-                <a:cs typeface="Arial" panose="020B0604020202020204" pitchFamily="34" charset="0"/>
-              </a:endParaRPr>
-            </a:p>
-          </p:txBody>
-        </p:sp>
-        <p:sp>
-          <p:nvSpPr>
-            <p:cNvPr id="179" name="Rectangle 178">
-              <a:extLst>
-                <a:ext uri="{FF2B5EF4-FFF2-40B4-BE49-F238E27FC236}">
-                  <a16:creationId xmlns:a16="http://schemas.microsoft.com/office/drawing/2014/main" id="{8AD4F58C-8F1C-6CDC-7079-DE10D9EEE2DF}"/>
-                </a:ext>
-              </a:extLst>
-            </p:cNvPr>
-            <p:cNvSpPr/>
-            <p:nvPr/>
-          </p:nvSpPr>
-          <p:spPr>
-            <a:xfrm>
-              <a:off x="8754380" y="3928533"/>
-              <a:ext cx="530040" cy="471542"/>
-            </a:xfrm>
-            <a:prstGeom prst="rect">
-              <a:avLst/>
-            </a:prstGeom>
-            <a:solidFill>
-              <a:schemeClr val="tx1">
-                <a:lumMod val="95000"/>
-              </a:schemeClr>
-            </a:solidFill>
-            <a:ln w="28575">
-              <a:solidFill>
-                <a:schemeClr val="tx1">
-                  <a:lumMod val="50000"/>
-                </a:schemeClr>
-              </a:solidFill>
-              <a:prstDash val="solid"/>
-            </a:ln>
-          </p:spPr>
-          <p:style>
-            <a:lnRef idx="2">
-              <a:schemeClr val="accent1">
-                <a:shade val="50000"/>
-              </a:schemeClr>
-            </a:lnRef>
-            <a:fillRef idx="1">
-              <a:schemeClr val="accent1"/>
-            </a:fillRef>
-            <a:effectRef idx="0">
-              <a:schemeClr val="accent1"/>
-            </a:effectRef>
-            <a:fontRef idx="minor">
-              <a:schemeClr val="lt1"/>
-            </a:fontRef>
-          </p:style>
-          <p:txBody>
-            <a:bodyPr lIns="144000" tIns="144000" rIns="144000" bIns="144000" anchor="ctr"/>
-            <a:lstStyle/>
-            <a:p>
-              <a:pPr>
-                <a:lnSpc>
-                  <a:spcPts val="1500"/>
-                </a:lnSpc>
-                <a:defRPr/>
-              </a:pPr>
-              <a:r>
-                <a:rPr lang="en-GB" sz="3200" baseline="-9000" dirty="0">
-                  <a:solidFill>
-                    <a:schemeClr val="bg2">
-                      <a:lumMod val="40000"/>
-                      <a:lumOff val="60000"/>
-                    </a:schemeClr>
-                  </a:solidFill>
-                  <a:effectLst>
-                    <a:glow>
-                      <a:schemeClr val="bg1"/>
-                    </a:glow>
-                  </a:effectLst>
-                </a:rPr>
-                <a:t> </a:t>
-              </a:r>
-              <a:r>
-                <a:rPr lang="en-GB" sz="3200" baseline="-10000" dirty="0"/>
-                <a:t>📱</a:t>
-              </a:r>
-              <a:endParaRPr lang="en-GB" sz="2400" dirty="0">
-                <a:solidFill>
-                  <a:sysClr val="windowText" lastClr="000000"/>
-                </a:solidFill>
-                <a:latin typeface="+mj-lt"/>
-                <a:cs typeface="Arial" panose="020B0604020202020204" pitchFamily="34" charset="0"/>
-              </a:endParaRPr>
-            </a:p>
-          </p:txBody>
-        </p:sp>
-        <p:sp>
-          <p:nvSpPr>
-            <p:cNvPr id="180" name="Rectangle 179">
-              <a:extLst>
-                <a:ext uri="{FF2B5EF4-FFF2-40B4-BE49-F238E27FC236}">
-                  <a16:creationId xmlns:a16="http://schemas.microsoft.com/office/drawing/2014/main" id="{4153C5C1-F6A8-4DDC-E034-A06821047A3A}"/>
-                </a:ext>
-              </a:extLst>
-            </p:cNvPr>
-            <p:cNvSpPr/>
-            <p:nvPr/>
-          </p:nvSpPr>
-          <p:spPr>
-            <a:xfrm>
-              <a:off x="7482152" y="3928533"/>
-              <a:ext cx="530040" cy="482053"/>
-            </a:xfrm>
-            <a:prstGeom prst="rect">
-              <a:avLst/>
-            </a:prstGeom>
-            <a:solidFill>
-              <a:schemeClr val="tx1">
-                <a:lumMod val="95000"/>
-              </a:schemeClr>
-            </a:solidFill>
-            <a:ln w="28575">
-              <a:solidFill>
-                <a:schemeClr val="tx1">
-                  <a:lumMod val="50000"/>
-                </a:schemeClr>
-              </a:solidFill>
-              <a:prstDash val="solid"/>
-            </a:ln>
-          </p:spPr>
-          <p:style>
-            <a:lnRef idx="2">
-              <a:schemeClr val="accent1">
-                <a:shade val="50000"/>
-              </a:schemeClr>
-            </a:lnRef>
-            <a:fillRef idx="1">
-              <a:schemeClr val="accent1"/>
-            </a:fillRef>
-            <a:effectRef idx="0">
-              <a:schemeClr val="accent1"/>
-            </a:effectRef>
-            <a:fontRef idx="minor">
-              <a:schemeClr val="lt1"/>
-            </a:fontRef>
-          </p:style>
-          <p:txBody>
-            <a:bodyPr lIns="144000" tIns="144000" rIns="144000" bIns="144000" anchor="ctr"/>
-            <a:lstStyle/>
-            <a:p>
-              <a:pPr>
-                <a:lnSpc>
-                  <a:spcPts val="1500"/>
-                </a:lnSpc>
-                <a:defRPr/>
-              </a:pPr>
-              <a:r>
-                <a:rPr lang="en-GB" sz="3200" baseline="-9000" dirty="0">
-                  <a:solidFill>
-                    <a:schemeClr val="bg2">
-                      <a:lumMod val="40000"/>
-                      <a:lumOff val="60000"/>
-                    </a:schemeClr>
-                  </a:solidFill>
-                  <a:effectLst>
-                    <a:glow>
-                      <a:schemeClr val="bg1"/>
-                    </a:glow>
-                  </a:effectLst>
-                </a:rPr>
-                <a:t> </a:t>
-              </a:r>
-              <a:endParaRPr lang="en-GB" sz="2400" dirty="0">
-                <a:solidFill>
-                  <a:sysClr val="windowText" lastClr="000000"/>
-                </a:solidFill>
-                <a:latin typeface="+mj-lt"/>
-                <a:cs typeface="Arial" panose="020B0604020202020204" pitchFamily="34" charset="0"/>
-              </a:endParaRPr>
-            </a:p>
-          </p:txBody>
-        </p:sp>
-      </p:grpSp>
-      <p:cxnSp>
-        <p:nvCxnSpPr>
-          <p:cNvPr id="183" name="Straight Arrow Connector 12">
-            <a:extLst>
-              <a:ext uri="{FF2B5EF4-FFF2-40B4-BE49-F238E27FC236}">
-                <a16:creationId xmlns:a16="http://schemas.microsoft.com/office/drawing/2014/main" id="{D6DFE0C5-C2BA-5F09-E124-D57337365823}"/>
-              </a:ext>
-            </a:extLst>
-          </p:cNvPr>
-          <p:cNvCxnSpPr>
-            <a:cxnSpLocks/>
-            <a:stCxn id="6" idx="2"/>
-            <a:endCxn id="182" idx="1"/>
-          </p:cNvCxnSpPr>
-          <p:nvPr/>
-        </p:nvCxnSpPr>
-        <p:spPr>
-          <a:xfrm rot="16200000" flipH="1">
-            <a:off x="2820086" y="2412015"/>
-            <a:ext cx="715103" cy="2038121"/>
-          </a:xfrm>
-          <a:prstGeom prst="bentConnector2">
-            <a:avLst/>
-          </a:prstGeom>
-          <a:ln>
-            <a:solidFill>
-              <a:schemeClr val="accent2"/>
-            </a:solidFill>
-            <a:tailEnd type="triangle" w="lg" len="lg"/>
-          </a:ln>
-        </p:spPr>
-        <p:style>
-          <a:lnRef idx="3">
-            <a:schemeClr val="accent2"/>
-          </a:lnRef>
-          <a:fillRef idx="0">
-            <a:schemeClr val="accent2"/>
-          </a:fillRef>
-          <a:effectRef idx="2">
-            <a:schemeClr val="accent2"/>
-          </a:effectRef>
-          <a:fontRef idx="minor">
-            <a:schemeClr val="tx1"/>
-          </a:fontRef>
-        </p:style>
-      </p:cxnSp>
-      <p:sp>
-        <p:nvSpPr>
-          <p:cNvPr id="187" name="Content Placeholder 2">
-            <a:extLst>
-              <a:ext uri="{FF2B5EF4-FFF2-40B4-BE49-F238E27FC236}">
-                <a16:creationId xmlns:a16="http://schemas.microsoft.com/office/drawing/2014/main" id="{29BA2C6A-7E0A-D721-76EE-C655C0D93460}"/>
-              </a:ext>
-            </a:extLst>
-          </p:cNvPr>
-          <p:cNvSpPr txBox="1">
-            <a:spLocks/>
-          </p:cNvSpPr>
-          <p:nvPr/>
-        </p:nvSpPr>
-        <p:spPr>
-          <a:xfrm>
-            <a:off x="2512811" y="3917777"/>
-            <a:ext cx="2221183" cy="400110"/>
-          </a:xfrm>
-          <a:prstGeom prst="rect">
-            <a:avLst/>
-          </a:prstGeom>
-        </p:spPr>
-        <p:txBody>
-          <a:bodyPr wrap="square">
-            <a:spAutoFit/>
-          </a:bodyPr>
-          <a:lstStyle>
-            <a:lvl1pPr marL="228600" indent="-228600" algn="l" defTabSz="914400" rtl="0" eaLnBrk="1" latinLnBrk="0" hangingPunct="1">
-              <a:lnSpc>
-                <a:spcPct val="90000"/>
-              </a:lnSpc>
-              <a:spcBef>
-                <a:spcPts val="0"/>
-              </a:spcBef>
-              <a:spcAft>
-                <a:spcPts val="1200"/>
-              </a:spcAft>
-              <a:buSzPct val="90000"/>
-              <a:buFont typeface="Amazon Ember" panose="020B0603020204020204" pitchFamily="34" charset="0"/>
-              <a:buChar char="•"/>
-              <a:defRPr sz="2800" kern="1200">
-                <a:solidFill>
-                  <a:schemeClr val="tx1"/>
-                </a:solidFill>
-                <a:latin typeface="+mn-lt"/>
-                <a:ea typeface="+mn-ea"/>
-                <a:cs typeface="+mn-cs"/>
-              </a:defRPr>
-            </a:lvl1pPr>
-            <a:lvl2pPr marL="457200" indent="-228600" algn="l" defTabSz="914400" rtl="0" eaLnBrk="1" latinLnBrk="0" hangingPunct="1">
-              <a:lnSpc>
-                <a:spcPct val="90000"/>
-              </a:lnSpc>
-              <a:spcBef>
-                <a:spcPts val="0"/>
-              </a:spcBef>
-              <a:spcAft>
-                <a:spcPts val="1200"/>
-              </a:spcAft>
-              <a:buSzPct val="90000"/>
-              <a:buFont typeface="Wingdings" panose="05000000000000000000" pitchFamily="2" charset="2"/>
-              <a:buChar char="§"/>
-              <a:defRPr sz="2400" kern="1200">
-                <a:solidFill>
-                  <a:schemeClr val="tx1"/>
-                </a:solidFill>
-                <a:latin typeface="+mn-lt"/>
-                <a:ea typeface="+mn-ea"/>
-                <a:cs typeface="+mn-cs"/>
-              </a:defRPr>
-            </a:lvl2pPr>
-            <a:lvl3pPr marL="685800" indent="-228600" algn="l" defTabSz="914400" rtl="0" eaLnBrk="1" latinLnBrk="0" hangingPunct="1">
-              <a:lnSpc>
-                <a:spcPct val="90000"/>
-              </a:lnSpc>
-              <a:spcBef>
-                <a:spcPts val="0"/>
-              </a:spcBef>
-              <a:spcAft>
-                <a:spcPts val="1200"/>
-              </a:spcAft>
-              <a:buSzPct val="90000"/>
-              <a:buFont typeface="Amazon Ember" panose="020B0603020204020204" pitchFamily="34" charset="0"/>
-              <a:buChar char="–"/>
-              <a:defRPr sz="2000" kern="1200">
-                <a:solidFill>
-                  <a:schemeClr val="tx1"/>
-                </a:solidFill>
-                <a:latin typeface="+mn-lt"/>
-                <a:ea typeface="+mn-ea"/>
-                <a:cs typeface="+mn-cs"/>
-              </a:defRPr>
-            </a:lvl3pPr>
-            <a:lvl4pPr marL="914400" indent="-228600" algn="l" defTabSz="914400" rtl="0" eaLnBrk="1" latinLnBrk="0" hangingPunct="1">
-              <a:lnSpc>
-                <a:spcPct val="90000"/>
-              </a:lnSpc>
-              <a:spcBef>
-                <a:spcPts val="0"/>
-              </a:spcBef>
-              <a:spcAft>
-                <a:spcPts val="1200"/>
-              </a:spcAft>
-              <a:buFont typeface="Amazon Ember" panose="020B0603020204020204" pitchFamily="34" charset="0"/>
-              <a:buChar char="•"/>
-              <a:defRPr sz="1800" kern="1200">
-                <a:solidFill>
-                  <a:schemeClr val="tx1"/>
-                </a:solidFill>
-                <a:latin typeface="+mn-lt"/>
-                <a:ea typeface="+mn-ea"/>
-                <a:cs typeface="+mn-cs"/>
-              </a:defRPr>
-            </a:lvl4pPr>
-            <a:lvl5pPr marL="1143000" indent="-228600" algn="l" defTabSz="914400" rtl="0" eaLnBrk="1" latinLnBrk="0" hangingPunct="1">
-              <a:lnSpc>
-                <a:spcPct val="90000"/>
-              </a:lnSpc>
-              <a:spcBef>
-                <a:spcPts val="0"/>
-              </a:spcBef>
-              <a:spcAft>
-                <a:spcPts val="1200"/>
-              </a:spcAft>
-              <a:buFont typeface="Amazon Ember" panose="020B0603020204020204" pitchFamily="34" charset="0"/>
-              <a:buChar char="•"/>
-              <a:defRPr sz="1800" kern="1200">
-                <a:solidFill>
-                  <a:schemeClr val="tx1"/>
-                </a:solidFill>
-                <a:latin typeface="+mn-lt"/>
-                <a:ea typeface="+mn-ea"/>
-                <a:cs typeface="+mn-cs"/>
-              </a:defRPr>
-            </a:lvl5pPr>
-            <a:lvl6pPr marL="2514600" indent="-228600" algn="l" defTabSz="914400" rtl="0" eaLnBrk="1" latinLnBrk="0" hangingPunct="1">
-              <a:lnSpc>
-                <a:spcPct val="90000"/>
-              </a:lnSpc>
-              <a:spcBef>
-                <a:spcPts val="500"/>
-              </a:spcBef>
-              <a:buFont typeface="Amazon Ember" panose="020B0603020204020204" pitchFamily="34" charset="0"/>
-              <a:buChar char="•"/>
-              <a:defRPr sz="1800" kern="1200">
-                <a:solidFill>
-                  <a:schemeClr val="tx1"/>
-                </a:solidFill>
-                <a:latin typeface="+mn-lt"/>
-                <a:ea typeface="+mn-ea"/>
-                <a:cs typeface="+mn-cs"/>
-              </a:defRPr>
-            </a:lvl6pPr>
-            <a:lvl7pPr marL="2971800" indent="-228600" algn="l" defTabSz="914400" rtl="0" eaLnBrk="1" latinLnBrk="0" hangingPunct="1">
-              <a:lnSpc>
-                <a:spcPct val="90000"/>
-              </a:lnSpc>
-              <a:spcBef>
-                <a:spcPts val="500"/>
-              </a:spcBef>
-              <a:buFont typeface="Amazon Ember" panose="020B0603020204020204" pitchFamily="34" charset="0"/>
-              <a:buChar char="•"/>
-              <a:defRPr sz="1800" kern="1200">
-                <a:solidFill>
-                  <a:schemeClr val="tx1"/>
-                </a:solidFill>
-                <a:latin typeface="+mn-lt"/>
-                <a:ea typeface="+mn-ea"/>
-                <a:cs typeface="+mn-cs"/>
-              </a:defRPr>
-            </a:lvl7pPr>
-            <a:lvl8pPr marL="3429000" indent="-228600" algn="l" defTabSz="914400" rtl="0" eaLnBrk="1" latinLnBrk="0" hangingPunct="1">
-              <a:lnSpc>
-                <a:spcPct val="90000"/>
-              </a:lnSpc>
-              <a:spcBef>
-                <a:spcPts val="500"/>
-              </a:spcBef>
-              <a:buFont typeface="Amazon Ember" panose="020B0603020204020204" pitchFamily="34" charset="0"/>
-              <a:buChar char="•"/>
-              <a:defRPr sz="1800" kern="1200">
-                <a:solidFill>
-                  <a:schemeClr val="tx1"/>
-                </a:solidFill>
-                <a:latin typeface="+mn-lt"/>
-                <a:ea typeface="+mn-ea"/>
-                <a:cs typeface="+mn-cs"/>
-              </a:defRPr>
-            </a:lvl8pPr>
-            <a:lvl9pPr marL="3886200" indent="-228600" algn="l" defTabSz="914400" rtl="0" eaLnBrk="1" latinLnBrk="0" hangingPunct="1">
-              <a:lnSpc>
-                <a:spcPct val="90000"/>
-              </a:lnSpc>
-              <a:spcBef>
-                <a:spcPts val="500"/>
-              </a:spcBef>
-              <a:buFont typeface="Amazon Ember" panose="020B0603020204020204" pitchFamily="34" charset="0"/>
-              <a:buChar char="•"/>
-              <a:defRPr sz="1800" kern="1200">
-                <a:solidFill>
-                  <a:schemeClr val="tx1"/>
-                </a:solidFill>
-                <a:latin typeface="+mn-lt"/>
-                <a:ea typeface="+mn-ea"/>
-                <a:cs typeface="+mn-cs"/>
-              </a:defRPr>
-            </a:lvl9pPr>
-          </a:lstStyle>
-          <a:p>
-            <a:pPr marL="0" indent="0">
-              <a:lnSpc>
-                <a:spcPct val="100000"/>
-              </a:lnSpc>
-              <a:spcAft>
-                <a:spcPts val="600"/>
-              </a:spcAft>
-              <a:buNone/>
-            </a:pPr>
-            <a:r>
-              <a:rPr lang="en-US" sz="2000" i="1" dirty="0">
-                <a:solidFill>
-                  <a:schemeClr val="bg2">
-                    <a:lumMod val="40000"/>
-                    <a:lumOff val="60000"/>
-                  </a:schemeClr>
-                </a:solidFill>
-                <a:effectLst>
-                  <a:glow>
-                    <a:schemeClr val="bg1"/>
-                  </a:glow>
-                </a:effectLst>
-              </a:rPr>
-              <a:t>use on chat</a:t>
-            </a:r>
-          </a:p>
-        </p:txBody>
-      </p:sp>
-      <p:sp>
-        <p:nvSpPr>
-          <p:cNvPr id="188" name="Rounded Rectangle 187">
-            <a:extLst>
-              <a:ext uri="{FF2B5EF4-FFF2-40B4-BE49-F238E27FC236}">
-                <a16:creationId xmlns:a16="http://schemas.microsoft.com/office/drawing/2014/main" id="{F80CE01A-E7FD-EDCC-F09B-40EC93DF2066}"/>
-              </a:ext>
-            </a:extLst>
-          </p:cNvPr>
-          <p:cNvSpPr/>
-          <p:nvPr/>
-        </p:nvSpPr>
-        <p:spPr>
-          <a:xfrm>
-            <a:off x="2143143" y="3937832"/>
-            <a:ext cx="360000" cy="360000"/>
-          </a:xfrm>
-          <a:prstGeom prst="roundRect">
-            <a:avLst/>
-          </a:prstGeom>
-          <a:solidFill>
-            <a:schemeClr val="accent2"/>
-          </a:solidFill>
-          <a:ln>
-            <a:noFill/>
-          </a:ln>
-        </p:spPr>
-        <p:style>
-          <a:lnRef idx="0">
-            <a:scrgbClr r="0" g="0" b="0"/>
-          </a:lnRef>
-          <a:fillRef idx="0">
-            <a:scrgbClr r="0" g="0" b="0"/>
-          </a:fillRef>
-          <a:effectRef idx="0">
-            <a:scrgbClr r="0" g="0" b="0"/>
-          </a:effectRef>
-          <a:fontRef idx="minor">
-            <a:schemeClr val="lt1"/>
-          </a:fontRef>
-        </p:style>
-        <p:txBody>
-          <a:bodyPr lIns="45720" tIns="45720" rIns="45720" rtlCol="0" anchor="ctr"/>
-          <a:lstStyle/>
-          <a:p>
-            <a:pPr algn="ctr"/>
-            <a:r>
-              <a:rPr lang="en-GB" b="1" dirty="0">
-                <a:solidFill>
-                  <a:schemeClr val="tx1"/>
-                </a:solidFill>
-              </a:rPr>
-              <a:t>2</a:t>
-            </a:r>
-          </a:p>
-        </p:txBody>
-      </p:sp>
-      <p:sp>
-        <p:nvSpPr>
-          <p:cNvPr id="2" name="TextBox 1">
-            <a:extLst>
-              <a:ext uri="{FF2B5EF4-FFF2-40B4-BE49-F238E27FC236}">
-                <a16:creationId xmlns:a16="http://schemas.microsoft.com/office/drawing/2014/main" id="{FE278961-00F6-DFB3-B56B-22935B6C83B8}"/>
-              </a:ext>
-            </a:extLst>
-          </p:cNvPr>
-          <p:cNvSpPr txBox="1"/>
-          <p:nvPr/>
-        </p:nvSpPr>
-        <p:spPr>
-          <a:xfrm>
-            <a:off x="4265654" y="3083112"/>
-            <a:ext cx="502683" cy="769441"/>
-          </a:xfrm>
-          <a:prstGeom prst="rect">
-            <a:avLst/>
-          </a:prstGeom>
-          <a:noFill/>
-        </p:spPr>
-        <p:txBody>
-          <a:bodyPr wrap="square">
-            <a:spAutoFit/>
-          </a:bodyPr>
-          <a:lstStyle/>
-          <a:p>
-            <a:r>
-              <a:rPr lang="en-GB" sz="4400" baseline="-9000" dirty="0">
-                <a:solidFill>
-                  <a:schemeClr val="bg2">
-                    <a:lumMod val="40000"/>
-                    <a:lumOff val="60000"/>
-                  </a:schemeClr>
-                </a:solidFill>
-                <a:effectLst>
-                  <a:glow>
-                    <a:schemeClr val="bg1"/>
-                  </a:glow>
-                </a:effectLst>
-              </a:rPr>
-              <a:t>🤵</a:t>
-            </a:r>
-            <a:endParaRPr lang="en-US" sz="4400" dirty="0"/>
-          </a:p>
-        </p:txBody>
-      </p:sp>
-      <p:sp>
-        <p:nvSpPr>
-          <p:cNvPr id="3" name="TextBox 2">
-            <a:extLst>
-              <a:ext uri="{FF2B5EF4-FFF2-40B4-BE49-F238E27FC236}">
-                <a16:creationId xmlns:a16="http://schemas.microsoft.com/office/drawing/2014/main" id="{8E76D85B-7CE6-189A-B534-92E30C61B5D5}"/>
-              </a:ext>
-            </a:extLst>
-          </p:cNvPr>
-          <p:cNvSpPr txBox="1"/>
-          <p:nvPr/>
-        </p:nvSpPr>
-        <p:spPr>
-          <a:xfrm>
-            <a:off x="147264" y="6233934"/>
-            <a:ext cx="1481175" cy="523220"/>
-          </a:xfrm>
-          <a:prstGeom prst="rect">
-            <a:avLst/>
-          </a:prstGeom>
-          <a:noFill/>
-        </p:spPr>
-        <p:txBody>
-          <a:bodyPr wrap="none" lIns="0" rIns="0" rtlCol="0">
-            <a:spAutoFit/>
-          </a:bodyPr>
-          <a:lstStyle/>
-          <a:p>
-            <a:pPr algn="l"/>
-            <a:r>
-              <a:rPr lang="en-GB" sz="2800" dirty="0">
-                <a:solidFill>
-                  <a:srgbClr val="FFFF00"/>
-                </a:solidFill>
-              </a:rPr>
-              <a:t>DATASET</a:t>
-            </a:r>
-          </a:p>
-        </p:txBody>
-      </p:sp>
-    </p:spTree>
-    <p:extLst>
-      <p:ext uri="{BB962C8B-B14F-4D97-AF65-F5344CB8AC3E}">
-        <p14:creationId xmlns:p14="http://schemas.microsoft.com/office/powerpoint/2010/main" val="1039763662"/>
-      </p:ext>
-    </p:extLst>
-  </p:cSld>
-  <p:clrMapOvr>
-    <a:masterClrMapping/>
-  </p:clrMapOvr>
-  <p:transition>
-    <p:fade/>
-  </p:transition>
-</p:sld>
-</file>
-
-<file path=ppt/slides/slide6.xml><?xml version="1.0" encoding="utf-8"?>
 <p:sld xmlns:a="http://schemas.openxmlformats.org/drawingml/2006/main" xmlns:r="http://schemas.openxmlformats.org/officeDocument/2006/relationships" xmlns:p="http://schemas.openxmlformats.org/presentationml/2006/main" show="0">
   <p:cSld>
     <p:spTree>
